--- a/ASS 3 Document/ASS3_BIT302_E1700882_E1700873_PowerPoint.pptx
+++ b/ASS 3 Document/ASS3_BIT302_E1700882_E1700873_PowerPoint.pptx
@@ -8,12 +8,17 @@
   <p:sldIdLst>
     <p:sldId id="256" r:id="rId3"/>
     <p:sldId id="258" r:id="rId4"/>
-    <p:sldId id="259" r:id="rId5"/>
+    <p:sldId id="265" r:id="rId5"/>
     <p:sldId id="260" r:id="rId6"/>
     <p:sldId id="261" r:id="rId7"/>
     <p:sldId id="262" r:id="rId8"/>
     <p:sldId id="263" r:id="rId9"/>
     <p:sldId id="264" r:id="rId10"/>
+    <p:sldId id="266" r:id="rId11"/>
+    <p:sldId id="270" r:id="rId12"/>
+    <p:sldId id="267" r:id="rId13"/>
+    <p:sldId id="268" r:id="rId14"/>
+    <p:sldId id="269" r:id="rId15"/>
   </p:sldIdLst>
   <p:sldSz cx="12192000" cy="6858000"/>
   <p:notesSz cx="6858000" cy="9144000"/>
@@ -7247,7 +7252,7 @@
         <p:spPr>
           <a:xfrm>
             <a:off x="1561708" y="1872188"/>
-            <a:ext cx="9068586" cy="1785793"/>
+            <a:ext cx="9068586" cy="1909237"/>
           </a:xfrm>
         </p:spPr>
         <p:txBody>
@@ -7281,7 +7286,7 @@
         </p:nvSpPr>
         <p:spPr>
           <a:xfrm>
-            <a:off x="1447800" y="4333874"/>
+            <a:off x="1447800" y="4467224"/>
             <a:ext cx="9318106" cy="978789"/>
           </a:xfrm>
         </p:spPr>
@@ -7375,7 +7380,7 @@
         </p:nvSpPr>
         <p:spPr>
           <a:xfrm>
-            <a:off x="1447800" y="3514725"/>
+            <a:off x="1447800" y="3667125"/>
             <a:ext cx="9318106" cy="600075"/>
           </a:xfrm>
           <a:prstGeom prst="rect">
@@ -7629,6 +7634,355 @@
 </p:sld>
 </file>
 
+<file path=ppt/slides/slide10.xml><?xml version="1.0" encoding="utf-8"?>
+<p:sld xmlns:a="http://schemas.openxmlformats.org/drawingml/2006/main" xmlns:r="http://schemas.openxmlformats.org/officeDocument/2006/relationships" xmlns:p="http://schemas.openxmlformats.org/presentationml/2006/main">
+  <p:cSld>
+    <p:spTree>
+      <p:nvGrpSpPr>
+        <p:cNvPr id="1" name=""/>
+        <p:cNvGrpSpPr/>
+        <p:nvPr/>
+      </p:nvGrpSpPr>
+      <p:grpSpPr>
+        <a:xfrm>
+          <a:off x="0" y="0"/>
+          <a:ext cx="0" cy="0"/>
+          <a:chOff x="0" y="0"/>
+          <a:chExt cx="0" cy="0"/>
+        </a:xfrm>
+      </p:grpSpPr>
+      <p:sp>
+        <p:nvSpPr>
+          <p:cNvPr id="2" name="Title 1"/>
+          <p:cNvSpPr>
+            <a:spLocks noGrp="1"/>
+          </p:cNvSpPr>
+          <p:nvPr>
+            <p:ph type="title"/>
+          </p:nvPr>
+        </p:nvSpPr>
+        <p:spPr/>
+        <p:txBody>
+          <a:bodyPr/>
+          <a:lstStyle/>
+          <a:p>
+            <a:r>
+              <a:rPr lang="en-US" dirty="0" smtClean="0"/>
+              <a:t>Trello</a:t>
+            </a:r>
+            <a:endParaRPr lang="en-US" dirty="0"/>
+          </a:p>
+        </p:txBody>
+      </p:sp>
+      <p:sp>
+        <p:nvSpPr>
+          <p:cNvPr id="3" name="Content Placeholder 2"/>
+          <p:cNvSpPr>
+            <a:spLocks noGrp="1"/>
+          </p:cNvSpPr>
+          <p:nvPr>
+            <p:ph idx="1"/>
+          </p:nvPr>
+        </p:nvSpPr>
+        <p:spPr/>
+        <p:txBody>
+          <a:bodyPr/>
+          <a:lstStyle/>
+          <a:p>
+            <a:endParaRPr lang="en-US"/>
+          </a:p>
+        </p:txBody>
+      </p:sp>
+    </p:spTree>
+    <p:extLst>
+      <p:ext uri="{BB962C8B-B14F-4D97-AF65-F5344CB8AC3E}">
+        <p14:creationId xmlns:p14="http://schemas.microsoft.com/office/powerpoint/2010/main" val="1554552504"/>
+      </p:ext>
+    </p:extLst>
+  </p:cSld>
+  <p:clrMapOvr>
+    <a:masterClrMapping/>
+  </p:clrMapOvr>
+  <mc:AlternateContent xmlns:mc="http://schemas.openxmlformats.org/markup-compatibility/2006" xmlns:p14="http://schemas.microsoft.com/office/powerpoint/2010/main">
+    <mc:Choice Requires="p14">
+      <p:transition p14:dur="250">
+        <p:fade/>
+      </p:transition>
+    </mc:Choice>
+    <mc:Fallback xmlns="">
+      <p:transition>
+        <p:fade/>
+      </p:transition>
+    </mc:Fallback>
+  </mc:AlternateContent>
+</p:sld>
+</file>
+
+<file path=ppt/slides/slide11.xml><?xml version="1.0" encoding="utf-8"?>
+<p:sld xmlns:a="http://schemas.openxmlformats.org/drawingml/2006/main" xmlns:r="http://schemas.openxmlformats.org/officeDocument/2006/relationships" xmlns:p="http://schemas.openxmlformats.org/presentationml/2006/main">
+  <p:cSld>
+    <p:spTree>
+      <p:nvGrpSpPr>
+        <p:cNvPr id="1" name=""/>
+        <p:cNvGrpSpPr/>
+        <p:nvPr/>
+      </p:nvGrpSpPr>
+      <p:grpSpPr>
+        <a:xfrm>
+          <a:off x="0" y="0"/>
+          <a:ext cx="0" cy="0"/>
+          <a:chOff x="0" y="0"/>
+          <a:chExt cx="0" cy="0"/>
+        </a:xfrm>
+      </p:grpSpPr>
+      <p:sp>
+        <p:nvSpPr>
+          <p:cNvPr id="2" name="Title 1"/>
+          <p:cNvSpPr>
+            <a:spLocks noGrp="1"/>
+          </p:cNvSpPr>
+          <p:nvPr>
+            <p:ph type="title"/>
+          </p:nvPr>
+        </p:nvSpPr>
+        <p:spPr/>
+        <p:txBody>
+          <a:bodyPr/>
+          <a:lstStyle/>
+          <a:p>
+            <a:endParaRPr lang="en-US" dirty="0"/>
+          </a:p>
+        </p:txBody>
+      </p:sp>
+      <p:pic>
+        <p:nvPicPr>
+          <p:cNvPr id="4" name="Content Placeholder 3"/>
+          <p:cNvPicPr>
+            <a:picLocks noGrp="1" noChangeAspect="1"/>
+          </p:cNvPicPr>
+          <p:nvPr>
+            <p:ph idx="1"/>
+          </p:nvPr>
+        </p:nvPicPr>
+        <p:blipFill rotWithShape="1">
+          <a:blip r:embed="rId2"/>
+          <a:srcRect t="18605" b="5423"/>
+          <a:stretch/>
+        </p:blipFill>
+        <p:spPr>
+          <a:xfrm>
+            <a:off x="0" y="642594"/>
+            <a:ext cx="12192000" cy="5843931"/>
+          </a:xfrm>
+          <a:prstGeom prst="rect">
+            <a:avLst/>
+          </a:prstGeom>
+        </p:spPr>
+      </p:pic>
+    </p:spTree>
+    <p:extLst>
+      <p:ext uri="{BB962C8B-B14F-4D97-AF65-F5344CB8AC3E}">
+        <p14:creationId xmlns:p14="http://schemas.microsoft.com/office/powerpoint/2010/main" val="77744869"/>
+      </p:ext>
+    </p:extLst>
+  </p:cSld>
+  <p:clrMapOvr>
+    <a:masterClrMapping/>
+  </p:clrMapOvr>
+  <mc:AlternateContent xmlns:mc="http://schemas.openxmlformats.org/markup-compatibility/2006" xmlns:p14="http://schemas.microsoft.com/office/powerpoint/2010/main">
+    <mc:Choice Requires="p14">
+      <p:transition p14:dur="250">
+        <p:fade/>
+      </p:transition>
+    </mc:Choice>
+    <mc:Fallback xmlns="">
+      <p:transition>
+        <p:fade/>
+      </p:transition>
+    </mc:Fallback>
+  </mc:AlternateContent>
+  <p:timing>
+    <p:tnLst>
+      <p:par>
+        <p:cTn id="1" dur="indefinite" restart="never" nodeType="tmRoot"/>
+      </p:par>
+    </p:tnLst>
+  </p:timing>
+</p:sld>
+</file>
+
+<file path=ppt/slides/slide12.xml><?xml version="1.0" encoding="utf-8"?>
+<p:sld xmlns:a="http://schemas.openxmlformats.org/drawingml/2006/main" xmlns:r="http://schemas.openxmlformats.org/officeDocument/2006/relationships" xmlns:p="http://schemas.openxmlformats.org/presentationml/2006/main">
+  <p:cSld>
+    <p:spTree>
+      <p:nvGrpSpPr>
+        <p:cNvPr id="1" name=""/>
+        <p:cNvGrpSpPr/>
+        <p:nvPr/>
+      </p:nvGrpSpPr>
+      <p:grpSpPr>
+        <a:xfrm>
+          <a:off x="0" y="0"/>
+          <a:ext cx="0" cy="0"/>
+          <a:chOff x="0" y="0"/>
+          <a:chExt cx="0" cy="0"/>
+        </a:xfrm>
+      </p:grpSpPr>
+      <p:sp>
+        <p:nvSpPr>
+          <p:cNvPr id="2" name="Title 1"/>
+          <p:cNvSpPr>
+            <a:spLocks noGrp="1"/>
+          </p:cNvSpPr>
+          <p:nvPr>
+            <p:ph type="title"/>
+          </p:nvPr>
+        </p:nvSpPr>
+        <p:spPr/>
+        <p:txBody>
+          <a:bodyPr/>
+          <a:lstStyle/>
+          <a:p>
+            <a:endParaRPr lang="en-US"/>
+          </a:p>
+        </p:txBody>
+      </p:sp>
+      <p:pic>
+        <p:nvPicPr>
+          <p:cNvPr id="5" name="Content Placeholder 4"/>
+          <p:cNvPicPr>
+            <a:picLocks noGrp="1" noChangeAspect="1"/>
+          </p:cNvPicPr>
+          <p:nvPr>
+            <p:ph idx="1"/>
+          </p:nvPr>
+        </p:nvPicPr>
+        <p:blipFill rotWithShape="1">
+          <a:blip r:embed="rId2"/>
+          <a:srcRect t="18890" b="5278"/>
+          <a:stretch/>
+        </p:blipFill>
+        <p:spPr>
+          <a:xfrm>
+            <a:off x="0" y="1295401"/>
+            <a:ext cx="12192000" cy="5200650"/>
+          </a:xfrm>
+          <a:prstGeom prst="rect">
+            <a:avLst/>
+          </a:prstGeom>
+        </p:spPr>
+      </p:pic>
+    </p:spTree>
+    <p:extLst>
+      <p:ext uri="{BB962C8B-B14F-4D97-AF65-F5344CB8AC3E}">
+        <p14:creationId xmlns:p14="http://schemas.microsoft.com/office/powerpoint/2010/main" val="2452672409"/>
+      </p:ext>
+    </p:extLst>
+  </p:cSld>
+  <p:clrMapOvr>
+    <a:masterClrMapping/>
+  </p:clrMapOvr>
+  <mc:AlternateContent xmlns:mc="http://schemas.openxmlformats.org/markup-compatibility/2006" xmlns:p14="http://schemas.microsoft.com/office/powerpoint/2010/main">
+    <mc:Choice Requires="p14">
+      <p:transition p14:dur="250">
+        <p:fade/>
+      </p:transition>
+    </mc:Choice>
+    <mc:Fallback xmlns="">
+      <p:transition>
+        <p:fade/>
+      </p:transition>
+    </mc:Fallback>
+  </mc:AlternateContent>
+</p:sld>
+</file>
+
+<file path=ppt/slides/slide13.xml><?xml version="1.0" encoding="utf-8"?>
+<p:sld xmlns:a="http://schemas.openxmlformats.org/drawingml/2006/main" xmlns:r="http://schemas.openxmlformats.org/officeDocument/2006/relationships" xmlns:p="http://schemas.openxmlformats.org/presentationml/2006/main">
+  <p:cSld>
+    <p:spTree>
+      <p:nvGrpSpPr>
+        <p:cNvPr id="1" name=""/>
+        <p:cNvGrpSpPr/>
+        <p:nvPr/>
+      </p:nvGrpSpPr>
+      <p:grpSpPr>
+        <a:xfrm>
+          <a:off x="0" y="0"/>
+          <a:ext cx="0" cy="0"/>
+          <a:chOff x="0" y="0"/>
+          <a:chExt cx="0" cy="0"/>
+        </a:xfrm>
+      </p:grpSpPr>
+      <p:sp>
+        <p:nvSpPr>
+          <p:cNvPr id="2" name="Title 1"/>
+          <p:cNvSpPr>
+            <a:spLocks noGrp="1"/>
+          </p:cNvSpPr>
+          <p:nvPr>
+            <p:ph type="title"/>
+          </p:nvPr>
+        </p:nvSpPr>
+        <p:spPr/>
+        <p:txBody>
+          <a:bodyPr/>
+          <a:lstStyle/>
+          <a:p>
+            <a:endParaRPr lang="en-US"/>
+          </a:p>
+        </p:txBody>
+      </p:sp>
+      <p:pic>
+        <p:nvPicPr>
+          <p:cNvPr id="5" name="Content Placeholder 4"/>
+          <p:cNvPicPr>
+            <a:picLocks noGrp="1" noChangeAspect="1"/>
+          </p:cNvPicPr>
+          <p:nvPr>
+            <p:ph idx="1"/>
+          </p:nvPr>
+        </p:nvPicPr>
+        <p:blipFill rotWithShape="1">
+          <a:blip r:embed="rId2"/>
+          <a:srcRect t="17967" b="5989"/>
+          <a:stretch/>
+        </p:blipFill>
+        <p:spPr>
+          <a:xfrm>
+            <a:off x="0" y="1228725"/>
+            <a:ext cx="12192000" cy="5200650"/>
+          </a:xfrm>
+          <a:prstGeom prst="rect">
+            <a:avLst/>
+          </a:prstGeom>
+        </p:spPr>
+      </p:pic>
+    </p:spTree>
+    <p:extLst>
+      <p:ext uri="{BB962C8B-B14F-4D97-AF65-F5344CB8AC3E}">
+        <p14:creationId xmlns:p14="http://schemas.microsoft.com/office/powerpoint/2010/main" val="1431115944"/>
+      </p:ext>
+    </p:extLst>
+  </p:cSld>
+  <p:clrMapOvr>
+    <a:masterClrMapping/>
+  </p:clrMapOvr>
+  <mc:AlternateContent xmlns:mc="http://schemas.openxmlformats.org/markup-compatibility/2006" xmlns:p14="http://schemas.microsoft.com/office/powerpoint/2010/main">
+    <mc:Choice Requires="p14">
+      <p:transition p14:dur="250">
+        <p:fade/>
+      </p:transition>
+    </mc:Choice>
+    <mc:Fallback xmlns="">
+      <p:transition>
+        <p:fade/>
+      </p:transition>
+    </mc:Fallback>
+  </mc:AlternateContent>
+</p:sld>
+</file>
+
 <file path=ppt/slides/slide2.xml><?xml version="1.0" encoding="utf-8"?>
 <p:sld xmlns:a="http://schemas.openxmlformats.org/drawingml/2006/main" xmlns:r="http://schemas.openxmlformats.org/officeDocument/2006/relationships" xmlns:p="http://schemas.openxmlformats.org/presentationml/2006/main">
   <p:cSld>
@@ -7658,14 +8012,15 @@
         </p:nvSpPr>
         <p:spPr>
           <a:xfrm>
-            <a:off x="813816" y="578586"/>
-            <a:ext cx="10789920" cy="1371600"/>
+            <a:off x="381000" y="428626"/>
+            <a:ext cx="11430000" cy="1333500"/>
           </a:xfrm>
         </p:spPr>
         <p:txBody>
           <a:bodyPr/>
           <a:lstStyle/>
           <a:p>
+            <a:pPr algn="ctr"/>
             <a:r>
               <a:rPr lang="en-US" dirty="0" smtClean="0"/>
               <a:t>FUNCTIONAL REQUIREMENT</a:t>
@@ -7686,8 +8041,8 @@
         </p:nvSpPr>
         <p:spPr>
           <a:xfrm>
-            <a:off x="813816" y="1929384"/>
-            <a:ext cx="10789920" cy="4105656"/>
+            <a:off x="590550" y="1685925"/>
+            <a:ext cx="11013186" cy="4733925"/>
           </a:xfrm>
         </p:spPr>
         <p:txBody>
@@ -7696,130 +8051,75 @@
           </a:bodyPr>
           <a:lstStyle/>
           <a:p>
-            <a:pPr marL="0" indent="0">
+            <a:pPr marL="0" indent="0" algn="ctr">
               <a:buNone/>
             </a:pPr>
             <a:r>
-              <a:rPr lang="en-US" b="1" dirty="0" err="1"/>
-              <a:t>HousingOfficer</a:t>
-            </a:r>
-            <a:r>
-              <a:rPr lang="en-US" b="1" dirty="0"/>
+              <a:rPr lang="en-US" sz="3600" b="1" dirty="0" smtClean="0"/>
+              <a:t>Housing Officer</a:t>
+            </a:r>
+          </a:p>
+          <a:p>
+            <a:pPr marL="0" indent="0" algn="ctr">
+              <a:buNone/>
+            </a:pPr>
+            <a:endParaRPr lang="en-US" sz="800" dirty="0" smtClean="0"/>
+          </a:p>
+          <a:p>
+            <a:pPr lvl="0"/>
+            <a:r>
+              <a:rPr lang="en-US" sz="2800" dirty="0" smtClean="0"/>
+              <a:t>Login / Logout System</a:t>
+            </a:r>
+            <a:endParaRPr lang="en-US" sz="2800" dirty="0" smtClean="0"/>
+          </a:p>
+          <a:p>
+            <a:pPr lvl="0"/>
+            <a:r>
+              <a:rPr lang="en-US" sz="2800" dirty="0" smtClean="0"/>
+              <a:t>Change / Reset Password</a:t>
+            </a:r>
+          </a:p>
+          <a:p>
+            <a:pPr lvl="0"/>
+            <a:r>
+              <a:rPr lang="en-US" sz="2800" dirty="0" smtClean="0"/>
+              <a:t>View, Edit, and Delete for Applicant Object</a:t>
+            </a:r>
+          </a:p>
+          <a:p>
+            <a:pPr lvl="0"/>
+            <a:r>
+              <a:rPr lang="en-US" sz="2800" dirty="0" smtClean="0"/>
+              <a:t>Basic CRUD (Create, Read, Update, Delete) for Application Object</a:t>
+            </a:r>
+          </a:p>
+          <a:p>
+            <a:pPr lvl="0"/>
+            <a:r>
+              <a:rPr lang="en-US" sz="2800" dirty="0" smtClean="0"/>
+              <a:t>Add, View, and Edit for Residence Object</a:t>
+            </a:r>
+          </a:p>
+          <a:p>
+            <a:pPr lvl="0"/>
+            <a:r>
+              <a:rPr lang="en-US" sz="2800" dirty="0" smtClean="0"/>
+              <a:t>Add(Allocate), View,</a:t>
+            </a:r>
+            <a:r>
+              <a:rPr lang="en-US" sz="2800" dirty="0" smtClean="0"/>
               <a:t> </a:t>
             </a:r>
             <a:r>
-              <a:rPr lang="en-US" b="1" dirty="0" smtClean="0"/>
-              <a:t>requirement</a:t>
-            </a:r>
-            <a:endParaRPr lang="en-US" dirty="0" smtClean="0"/>
-          </a:p>
-          <a:p>
-            <a:pPr lvl="0"/>
-            <a:r>
-              <a:rPr lang="en-US" dirty="0" err="1" smtClean="0"/>
-              <a:t>HousingOfficer</a:t>
-            </a:r>
-            <a:r>
-              <a:rPr lang="en-US" dirty="0" smtClean="0"/>
-              <a:t> has login menu that can be filled with user ID and password to go directly to </a:t>
-            </a:r>
-            <a:r>
-              <a:rPr lang="en-US" dirty="0" err="1" smtClean="0"/>
-              <a:t>HousingOfficer</a:t>
-            </a:r>
-            <a:r>
-              <a:rPr lang="en-US" dirty="0" smtClean="0"/>
-              <a:t> homepage.</a:t>
-            </a:r>
-          </a:p>
-          <a:p>
-            <a:pPr lvl="0"/>
-            <a:r>
-              <a:rPr lang="en-US" dirty="0" err="1" smtClean="0"/>
-              <a:t>HousingOfficer</a:t>
-            </a:r>
-            <a:r>
-              <a:rPr lang="en-US" dirty="0" smtClean="0"/>
-              <a:t> </a:t>
-            </a:r>
-            <a:r>
-              <a:rPr lang="en-US" dirty="0"/>
-              <a:t>can change the password if </a:t>
-            </a:r>
-            <a:r>
-              <a:rPr lang="en-US" dirty="0" err="1"/>
-              <a:t>HousingOfficer</a:t>
-            </a:r>
-            <a:r>
-              <a:rPr lang="en-US" dirty="0"/>
-              <a:t> forget their password.</a:t>
-            </a:r>
-          </a:p>
-          <a:p>
-            <a:pPr lvl="0"/>
-            <a:r>
-              <a:rPr lang="en-US" dirty="0" err="1"/>
-              <a:t>HousingOfficer</a:t>
-            </a:r>
-            <a:r>
-              <a:rPr lang="en-US" dirty="0"/>
-              <a:t> must have “edit menu” which is can edit residence detail.</a:t>
-            </a:r>
-          </a:p>
-          <a:p>
-            <a:pPr lvl="0"/>
-            <a:r>
-              <a:rPr lang="en-US" dirty="0" err="1"/>
-              <a:t>HousingOfficer</a:t>
-            </a:r>
-            <a:r>
-              <a:rPr lang="en-US" dirty="0"/>
-              <a:t> must have “add menu” which is can set up new residence.</a:t>
-            </a:r>
-          </a:p>
-          <a:p>
-            <a:pPr lvl="0"/>
-            <a:r>
-              <a:rPr lang="en-US" dirty="0" err="1"/>
-              <a:t>HousingOfficer</a:t>
-            </a:r>
-            <a:r>
-              <a:rPr lang="en-US" dirty="0"/>
-              <a:t> must have “delete menu” which is can delete applicant and residence detail.</a:t>
-            </a:r>
-          </a:p>
-          <a:p>
-            <a:pPr lvl="0"/>
-            <a:r>
-              <a:rPr lang="en-US" dirty="0" err="1"/>
-              <a:t>HousingOfficer</a:t>
-            </a:r>
-            <a:r>
-              <a:rPr lang="en-US" dirty="0"/>
-              <a:t> must have “view menu” which is can view applications and residence details.</a:t>
-            </a:r>
-          </a:p>
-          <a:p>
-            <a:pPr lvl="0"/>
-            <a:r>
-              <a:rPr lang="en-US" dirty="0"/>
-              <a:t>Payment menu to display payment details for applicant, which is designed by </a:t>
-            </a:r>
-            <a:r>
-              <a:rPr lang="en-US" dirty="0" err="1"/>
-              <a:t>HousingOfficer</a:t>
-            </a:r>
-            <a:r>
-              <a:rPr lang="en-US" dirty="0"/>
-              <a:t>.</a:t>
-            </a:r>
-          </a:p>
-          <a:p>
-            <a:pPr lvl="0"/>
-            <a:r>
-              <a:rPr lang="en-US" dirty="0"/>
-              <a:t>Logout Menu to exit from the application.</a:t>
-            </a:r>
+              <a:rPr lang="en-US" sz="2800" dirty="0" smtClean="0"/>
+              <a:t>and</a:t>
+            </a:r>
+            <a:r>
+              <a:rPr lang="en-US" sz="2800" dirty="0" smtClean="0"/>
+              <a:t> Delete for Allocation Object </a:t>
+            </a:r>
+            <a:endParaRPr lang="en-US" sz="2800" dirty="0"/>
           </a:p>
         </p:txBody>
       </p:sp>
@@ -7884,14 +8184,15 @@
         </p:nvSpPr>
         <p:spPr>
           <a:xfrm>
-            <a:off x="813816" y="578586"/>
-            <a:ext cx="10789920" cy="1371600"/>
+            <a:off x="381000" y="428626"/>
+            <a:ext cx="11430000" cy="1333500"/>
           </a:xfrm>
         </p:spPr>
         <p:txBody>
           <a:bodyPr/>
           <a:lstStyle/>
           <a:p>
+            <a:pPr algn="ctr"/>
             <a:r>
               <a:rPr lang="en-US" dirty="0" smtClean="0"/>
               <a:t>FUNCTIONAL REQUIREMENT</a:t>
@@ -7912,8 +8213,8 @@
         </p:nvSpPr>
         <p:spPr>
           <a:xfrm>
-            <a:off x="813816" y="1929384"/>
-            <a:ext cx="10789920" cy="4105656"/>
+            <a:off x="813816" y="1685925"/>
+            <a:ext cx="10789920" cy="4733925"/>
           </a:xfrm>
         </p:spPr>
         <p:txBody>
@@ -7922,52 +8223,54 @@
           </a:bodyPr>
           <a:lstStyle/>
           <a:p>
-            <a:pPr marL="0" indent="0">
+            <a:pPr marL="0" indent="0" algn="ctr">
               <a:buNone/>
             </a:pPr>
             <a:r>
-              <a:rPr lang="en-US" sz="2000" b="1" dirty="0"/>
-              <a:t>Applicant </a:t>
-            </a:r>
-            <a:r>
-              <a:rPr lang="en-US" sz="2000" b="1" dirty="0" smtClean="0"/>
-              <a:t>Requirement</a:t>
-            </a:r>
-            <a:endParaRPr lang="en-US" sz="2000" dirty="0"/>
+              <a:rPr lang="en-US" sz="3600" b="1" dirty="0" smtClean="0"/>
+              <a:t>Applicant</a:t>
+            </a:r>
+          </a:p>
+          <a:p>
+            <a:pPr marL="0" indent="0" algn="ctr">
+              <a:buNone/>
+            </a:pPr>
+            <a:endParaRPr lang="en-US" dirty="0" smtClean="0"/>
           </a:p>
           <a:p>
             <a:pPr lvl="0"/>
             <a:r>
-              <a:rPr lang="en-US" sz="2000" dirty="0"/>
-              <a:t>Applicant will register where the form has been given.</a:t>
+              <a:rPr lang="en-US" sz="2800" dirty="0" smtClean="0"/>
+              <a:t>Login / Logout System</a:t>
             </a:r>
           </a:p>
           <a:p>
             <a:pPr lvl="0"/>
             <a:r>
-              <a:rPr lang="en-US" sz="2000" dirty="0"/>
-              <a:t>Applicant has login menu that can be filled with user ID and password so that the applicant can access the system without confusion, and will be directed to the home page.</a:t>
-            </a:r>
+              <a:rPr lang="en-US" sz="2800" dirty="0" smtClean="0"/>
+              <a:t>Sign Up</a:t>
+            </a:r>
+            <a:endParaRPr lang="en-US" sz="2800" dirty="0" smtClean="0"/>
           </a:p>
           <a:p>
             <a:pPr lvl="0"/>
             <a:r>
-              <a:rPr lang="en-US" sz="2000" dirty="0"/>
-              <a:t>Applicant can change the password if applicant forget their password.</a:t>
+              <a:rPr lang="en-US" sz="2800" dirty="0" smtClean="0"/>
+              <a:t>Change / Reset Password</a:t>
             </a:r>
           </a:p>
           <a:p>
             <a:pPr lvl="0"/>
             <a:r>
-              <a:rPr lang="en-US" sz="2000" dirty="0"/>
-              <a:t>The system has a menu with buttons or icons that applicants can choose from view application, view residences, wish list, submit applications and payment.</a:t>
+              <a:rPr lang="en-US" sz="2800" dirty="0" smtClean="0"/>
+              <a:t>Add(Submit) &amp; View for Application Object</a:t>
             </a:r>
           </a:p>
           <a:p>
             <a:pPr lvl="0"/>
             <a:r>
-              <a:rPr lang="en-US" sz="2000" dirty="0"/>
-              <a:t>Logout Menu to exit from the application.</a:t>
+              <a:rPr lang="en-US" sz="2800" dirty="0" smtClean="0"/>
+              <a:t>View for Residence Object</a:t>
             </a:r>
           </a:p>
         </p:txBody>
@@ -7975,7 +8278,7 @@
     </p:spTree>
     <p:extLst>
       <p:ext uri="{BB962C8B-B14F-4D97-AF65-F5344CB8AC3E}">
-        <p14:creationId xmlns:p14="http://schemas.microsoft.com/office/powerpoint/2010/main" val="852284921"/>
+        <p14:creationId xmlns:p14="http://schemas.microsoft.com/office/powerpoint/2010/main" val="1493916766"/>
       </p:ext>
     </p:extLst>
   </p:cSld>
@@ -8033,14 +8336,15 @@
         </p:nvSpPr>
         <p:spPr>
           <a:xfrm>
-            <a:off x="813816" y="578586"/>
-            <a:ext cx="10789920" cy="1371600"/>
+            <a:off x="380999" y="388086"/>
+            <a:ext cx="11420475" cy="1371600"/>
           </a:xfrm>
         </p:spPr>
         <p:txBody>
           <a:bodyPr/>
           <a:lstStyle/>
           <a:p>
+            <a:pPr algn="ctr"/>
             <a:r>
               <a:rPr lang="en-US" dirty="0" smtClean="0"/>
               <a:t>NON-FUNCTIONAL REQUIREMENT</a:t>
@@ -8056,12 +8360,16 @@
             <a:graphicFrameLocks noGrp="1"/>
           </p:cNvGraphicFramePr>
           <p:nvPr>
-            <p:extLst/>
+            <p:extLst>
+              <p:ext uri="{D42A27DB-BD31-4B8C-83A1-F6EECF244321}">
+                <p14:modId xmlns:p14="http://schemas.microsoft.com/office/powerpoint/2010/main" val="2733108731"/>
+              </p:ext>
+            </p:extLst>
           </p:nvPr>
         </p:nvGraphicFramePr>
         <p:xfrm>
-          <a:off x="1971040" y="1950186"/>
-          <a:ext cx="8128000" cy="4028440"/>
+          <a:off x="676275" y="1759686"/>
+          <a:ext cx="10848975" cy="4560450"/>
         </p:xfrm>
         <a:graphic>
           <a:graphicData uri="http://schemas.openxmlformats.org/drawingml/2006/table">
@@ -8070,14 +8378,14 @@
                 <a:tableStyleId>{5C22544A-7EE6-4342-B048-85BDC9FD1C3A}</a:tableStyleId>
               </a:tblPr>
               <a:tblGrid>
-                <a:gridCol w="2247392">
+                <a:gridCol w="2999742">
                   <a:extLst>
                     <a:ext uri="{9D8B030D-6E8A-4147-A177-3AD203B41FA5}">
                       <a16:colId xmlns:a16="http://schemas.microsoft.com/office/drawing/2014/main" val="1867946181"/>
                     </a:ext>
                   </a:extLst>
                 </a:gridCol>
-                <a:gridCol w="5880608">
+                <a:gridCol w="7849233">
                   <a:extLst>
                     <a:ext uri="{9D8B030D-6E8A-4147-A177-3AD203B41FA5}">
                       <a16:colId xmlns:a16="http://schemas.microsoft.com/office/drawing/2014/main" val="1094547991"/>
@@ -8085,7 +8393,7 @@
                   </a:extLst>
                 </a:gridCol>
               </a:tblGrid>
-              <a:tr h="370840">
+              <a:tr h="409571">
                 <a:tc>
                   <a:txBody>
                     <a:bodyPr/>
@@ -8093,10 +8401,10 @@
                     <a:p>
                       <a:pPr algn="ctr"/>
                       <a:r>
-                        <a:rPr lang="en-US" dirty="0" smtClean="0"/>
+                        <a:rPr lang="en-US" sz="2600" dirty="0" smtClean="0"/>
                         <a:t>Requirement</a:t>
                       </a:r>
-                      <a:endParaRPr lang="en-US" dirty="0"/>
+                      <a:endParaRPr lang="en-US" sz="2600" dirty="0"/>
                     </a:p>
                   </a:txBody>
                   <a:tcPr/>
@@ -8108,10 +8416,10 @@
                     <a:p>
                       <a:pPr algn="ctr"/>
                       <a:r>
-                        <a:rPr lang="en-US" dirty="0" smtClean="0"/>
+                        <a:rPr lang="en-US" sz="2600" dirty="0" smtClean="0"/>
                         <a:t>Description</a:t>
                       </a:r>
-                      <a:endParaRPr lang="en-US" dirty="0"/>
+                      <a:endParaRPr lang="en-US" sz="2600" dirty="0"/>
                     </a:p>
                   </a:txBody>
                   <a:tcPr/>
@@ -8122,7 +8430,7 @@
                   </a:ext>
                 </a:extLst>
               </a:tr>
-              <a:tr h="370840">
+              <a:tr h="688243">
                 <a:tc>
                   <a:txBody>
                     <a:bodyPr/>
@@ -8130,10 +8438,10 @@
                     <a:p>
                       <a:pPr algn="ctr"/>
                       <a:r>
-                        <a:rPr lang="en-US" b="1" dirty="0" smtClean="0"/>
+                        <a:rPr lang="en-US" sz="2600" b="1" dirty="0" smtClean="0"/>
                         <a:t>Security requirement</a:t>
                       </a:r>
-                      <a:endParaRPr lang="en-US" dirty="0"/>
+                      <a:endParaRPr lang="en-US" sz="2600" dirty="0"/>
                     </a:p>
                   </a:txBody>
                   <a:tcPr/>
@@ -8161,12 +8469,30 @@
                         <a:defRPr/>
                       </a:pPr>
                       <a:r>
-                        <a:rPr lang="en-US" dirty="0" smtClean="0"/>
-                        <a:t>Using login system for authorization to prevent unauthorized access of certain parties.</a:t>
+                        <a:rPr lang="en-US" sz="2600" dirty="0" smtClean="0"/>
+                        <a:t>Using login </a:t>
                       </a:r>
-                    </a:p>
-                    <a:p>
-                      <a:endParaRPr lang="en-US" dirty="0"/>
+                      <a:r>
+                        <a:rPr lang="en-US" sz="2600" dirty="0" smtClean="0"/>
+                        <a:t>system, session</a:t>
+                      </a:r>
+                      <a:r>
+                        <a:rPr lang="en-US" sz="2600" baseline="0" dirty="0" smtClean="0"/>
+                        <a:t> &amp; framework middleware</a:t>
+                      </a:r>
+                      <a:r>
+                        <a:rPr lang="en-US" sz="2600" dirty="0" smtClean="0"/>
+                        <a:t> </a:t>
+                      </a:r>
+                      <a:r>
+                        <a:rPr lang="en-US" sz="2600" dirty="0" smtClean="0"/>
+                        <a:t>for authorization to prevent unauthorized access of certain parties</a:t>
+                      </a:r>
+                      <a:r>
+                        <a:rPr lang="en-US" sz="2600" dirty="0" smtClean="0"/>
+                        <a:t>.</a:t>
+                      </a:r>
+                      <a:endParaRPr lang="en-US" sz="2600" dirty="0" smtClean="0"/>
                     </a:p>
                   </a:txBody>
                   <a:tcPr/>
@@ -8177,7 +8503,7 @@
                   </a:ext>
                 </a:extLst>
               </a:tr>
-              <a:tr h="370840">
+              <a:tr h="749203">
                 <a:tc>
                   <a:txBody>
                     <a:bodyPr/>
@@ -8185,10 +8511,10 @@
                     <a:p>
                       <a:pPr algn="ctr"/>
                       <a:r>
-                        <a:rPr lang="en-US" b="1" dirty="0" smtClean="0"/>
+                        <a:rPr lang="en-US" sz="2600" b="1" dirty="0" smtClean="0"/>
                         <a:t>Usability</a:t>
                       </a:r>
-                      <a:endParaRPr lang="en-US" dirty="0"/>
+                      <a:endParaRPr lang="en-US" sz="2600" dirty="0"/>
                     </a:p>
                   </a:txBody>
                   <a:tcPr/>
@@ -8216,12 +8542,14 @@
                         <a:defRPr/>
                       </a:pPr>
                       <a:r>
-                        <a:rPr lang="en-US" dirty="0" smtClean="0"/>
-                        <a:t>The system should be easy to access for Housing Officer and Applicant.</a:t>
+                        <a:rPr lang="en-US" sz="2600" dirty="0" smtClean="0"/>
+                        <a:t>The system should be easy to access for Housing Officer and Applicant</a:t>
                       </a:r>
-                    </a:p>
-                    <a:p>
-                      <a:endParaRPr lang="en-US" dirty="0"/>
+                      <a:r>
+                        <a:rPr lang="en-US" sz="2600" dirty="0" smtClean="0"/>
+                        <a:t>.</a:t>
+                      </a:r>
+                      <a:endParaRPr lang="en-US" sz="2600" dirty="0"/>
                     </a:p>
                   </a:txBody>
                   <a:tcPr/>
@@ -8232,7 +8560,7 @@
                   </a:ext>
                 </a:extLst>
               </a:tr>
-              <a:tr h="370840">
+              <a:tr h="685800">
                 <a:tc>
                   <a:txBody>
                     <a:bodyPr/>
@@ -8240,10 +8568,10 @@
                     <a:p>
                       <a:pPr algn="ctr"/>
                       <a:r>
-                        <a:rPr lang="en-US" b="1" dirty="0" smtClean="0"/>
+                        <a:rPr lang="en-US" sz="2600" b="1" dirty="0" smtClean="0"/>
                         <a:t>Integrity</a:t>
                       </a:r>
-                      <a:endParaRPr lang="en-US" dirty="0"/>
+                      <a:endParaRPr lang="en-US" sz="2600" dirty="0"/>
                     </a:p>
                   </a:txBody>
                   <a:tcPr/>
@@ -8271,12 +8599,22 @@
                         <a:defRPr/>
                       </a:pPr>
                       <a:r>
-                        <a:rPr lang="en-US" dirty="0" smtClean="0"/>
-                        <a:t>Data inside the system will be keep as it is untampered and unharmed.</a:t>
+                        <a:rPr lang="en-US" sz="2600" dirty="0" smtClean="0"/>
+                        <a:t>Data inside the system will be keep as it </a:t>
                       </a:r>
-                    </a:p>
-                    <a:p>
-                      <a:endParaRPr lang="en-US" dirty="0"/>
+                      <a:r>
+                        <a:rPr lang="en-US" sz="2600" dirty="0" smtClean="0"/>
+                        <a:t>is, </a:t>
+                      </a:r>
+                      <a:r>
+                        <a:rPr lang="en-US" sz="2600" dirty="0" smtClean="0"/>
+                        <a:t>untampered and unharmed</a:t>
+                      </a:r>
+                      <a:r>
+                        <a:rPr lang="en-US" sz="2600" dirty="0" smtClean="0"/>
+                        <a:t>.</a:t>
+                      </a:r>
+                      <a:endParaRPr lang="en-US" sz="2600" dirty="0" smtClean="0"/>
                     </a:p>
                   </a:txBody>
                   <a:tcPr/>
@@ -8287,7 +8625,7 @@
                   </a:ext>
                 </a:extLst>
               </a:tr>
-              <a:tr h="370840">
+              <a:tr h="1024770">
                 <a:tc>
                   <a:txBody>
                     <a:bodyPr/>
@@ -8295,10 +8633,10 @@
                     <a:p>
                       <a:pPr algn="ctr"/>
                       <a:r>
-                        <a:rPr lang="en-US" b="1" dirty="0" smtClean="0"/>
+                        <a:rPr lang="en-US" sz="2600" b="1" dirty="0" smtClean="0"/>
                         <a:t>Modifiability</a:t>
                       </a:r>
-                      <a:endParaRPr lang="en-US" dirty="0"/>
+                      <a:endParaRPr lang="en-US" sz="2600" dirty="0"/>
                     </a:p>
                   </a:txBody>
                   <a:tcPr/>
@@ -8326,20 +8664,18 @@
                         <a:defRPr/>
                       </a:pPr>
                       <a:r>
-                        <a:rPr lang="en-US" dirty="0" smtClean="0"/>
+                        <a:rPr lang="en-US" sz="2600" dirty="0" smtClean="0"/>
                         <a:t>Data can only be change by authorized user (</a:t>
                       </a:r>
                       <a:r>
-                        <a:rPr lang="en-US" dirty="0" err="1" smtClean="0"/>
+                        <a:rPr lang="en-US" sz="2600" dirty="0" err="1" smtClean="0"/>
                         <a:t>HousingOfficer</a:t>
                       </a:r>
                       <a:r>
-                        <a:rPr lang="en-US" dirty="0" smtClean="0"/>
+                        <a:rPr lang="en-US" sz="2600" dirty="0" smtClean="0"/>
                         <a:t>).</a:t>
                       </a:r>
-                    </a:p>
-                    <a:p>
-                      <a:endParaRPr lang="en-US" dirty="0"/>
+                      <a:endParaRPr lang="en-US" sz="2600" dirty="0" smtClean="0"/>
                     </a:p>
                   </a:txBody>
                   <a:tcPr/>
@@ -8433,29 +8769,6 @@
           </a:p>
         </p:txBody>
       </p:sp>
-      <p:pic>
-        <p:nvPicPr>
-          <p:cNvPr id="7" name="Picture 6"/>
-          <p:cNvPicPr>
-            <a:picLocks noChangeAspect="1"/>
-          </p:cNvPicPr>
-          <p:nvPr/>
-        </p:nvPicPr>
-        <p:blipFill rotWithShape="1">
-          <a:blip r:embed="rId2"/>
-          <a:srcRect b="5555"/>
-          <a:stretch/>
-        </p:blipFill>
-        <p:spPr>
-          <a:xfrm>
-            <a:off x="381000" y="1225296"/>
-            <a:ext cx="11475720" cy="5236464"/>
-          </a:xfrm>
-          <a:prstGeom prst="rect">
-            <a:avLst/>
-          </a:prstGeom>
-        </p:spPr>
-      </p:pic>
     </p:spTree>
     <p:extLst>
       <p:ext uri="{BB962C8B-B14F-4D97-AF65-F5344CB8AC3E}">
@@ -8505,31 +8818,6 @@
           <a:chExt cx="0" cy="0"/>
         </a:xfrm>
       </p:grpSpPr>
-      <p:pic>
-        <p:nvPicPr>
-          <p:cNvPr id="4" name="Content Placeholder 3"/>
-          <p:cNvPicPr>
-            <a:picLocks noGrp="1" noChangeAspect="1"/>
-          </p:cNvPicPr>
-          <p:nvPr>
-            <p:ph idx="1"/>
-          </p:nvPr>
-        </p:nvPicPr>
-        <p:blipFill rotWithShape="1">
-          <a:blip r:embed="rId2"/>
-          <a:srcRect b="5700"/>
-          <a:stretch/>
-        </p:blipFill>
-        <p:spPr>
-          <a:xfrm>
-            <a:off x="365760" y="1225296"/>
-            <a:ext cx="11470640" cy="5216145"/>
-          </a:xfrm>
-          <a:prstGeom prst="rect">
-            <a:avLst/>
-          </a:prstGeom>
-        </p:spPr>
-      </p:pic>
       <p:sp>
         <p:nvSpPr>
           <p:cNvPr id="5" name="Title 1"/>
@@ -8557,6 +8845,25 @@
               <a:t>Gantt Chart</a:t>
             </a:r>
             <a:endParaRPr lang="en-US" sz="4000" dirty="0"/>
+          </a:p>
+        </p:txBody>
+      </p:sp>
+      <p:sp>
+        <p:nvSpPr>
+          <p:cNvPr id="2" name="Content Placeholder 1"/>
+          <p:cNvSpPr>
+            <a:spLocks noGrp="1"/>
+          </p:cNvSpPr>
+          <p:nvPr>
+            <p:ph idx="1"/>
+          </p:nvPr>
+        </p:nvSpPr>
+        <p:spPr/>
+        <p:txBody>
+          <a:bodyPr/>
+          <a:lstStyle/>
+          <a:p>
+            <a:endParaRPr lang="en-US"/>
           </a:p>
         </p:txBody>
       </p:sp>
@@ -8729,7 +9036,7 @@
             <a:pPr algn="ctr"/>
             <a:r>
               <a:rPr lang="en-US" sz="8000" dirty="0" smtClean="0"/>
-              <a:t>USE CASE</a:t>
+              <a:t>Updated Use Case</a:t>
             </a:r>
             <a:endParaRPr lang="en-US" sz="8000" dirty="0"/>
           </a:p>
@@ -8739,6 +9046,93 @@
     <p:extLst>
       <p:ext uri="{BB962C8B-B14F-4D97-AF65-F5344CB8AC3E}">
         <p14:creationId xmlns:p14="http://schemas.microsoft.com/office/powerpoint/2010/main" val="307318607"/>
+      </p:ext>
+    </p:extLst>
+  </p:cSld>
+  <p:clrMapOvr>
+    <a:masterClrMapping/>
+  </p:clrMapOvr>
+  <mc:AlternateContent xmlns:mc="http://schemas.openxmlformats.org/markup-compatibility/2006" xmlns:p14="http://schemas.microsoft.com/office/powerpoint/2010/main">
+    <mc:Choice Requires="p14">
+      <p:transition p14:dur="250">
+        <p:fade/>
+      </p:transition>
+    </mc:Choice>
+    <mc:Fallback xmlns="">
+      <p:transition>
+        <p:fade/>
+      </p:transition>
+    </mc:Fallback>
+  </mc:AlternateContent>
+  <p:timing>
+    <p:tnLst>
+      <p:par>
+        <p:cTn id="1" dur="indefinite" restart="never" nodeType="tmRoot"/>
+      </p:par>
+    </p:tnLst>
+  </p:timing>
+</p:sld>
+</file>
+
+<file path=ppt/slides/slide9.xml><?xml version="1.0" encoding="utf-8"?>
+<p:sld xmlns:a="http://schemas.openxmlformats.org/drawingml/2006/main" xmlns:r="http://schemas.openxmlformats.org/officeDocument/2006/relationships" xmlns:p="http://schemas.openxmlformats.org/presentationml/2006/main">
+  <p:cSld>
+    <p:spTree>
+      <p:nvGrpSpPr>
+        <p:cNvPr id="1" name=""/>
+        <p:cNvGrpSpPr/>
+        <p:nvPr/>
+      </p:nvGrpSpPr>
+      <p:grpSpPr>
+        <a:xfrm>
+          <a:off x="0" y="0"/>
+          <a:ext cx="0" cy="0"/>
+          <a:chOff x="0" y="0"/>
+          <a:chExt cx="0" cy="0"/>
+        </a:xfrm>
+      </p:grpSpPr>
+      <p:sp>
+        <p:nvSpPr>
+          <p:cNvPr id="2" name="Title 1"/>
+          <p:cNvSpPr>
+            <a:spLocks noGrp="1"/>
+          </p:cNvSpPr>
+          <p:nvPr>
+            <p:ph type="title"/>
+          </p:nvPr>
+        </p:nvSpPr>
+        <p:spPr/>
+        <p:txBody>
+          <a:bodyPr/>
+          <a:lstStyle/>
+          <a:p>
+            <a:endParaRPr lang="en-US"/>
+          </a:p>
+        </p:txBody>
+      </p:sp>
+      <p:sp>
+        <p:nvSpPr>
+          <p:cNvPr id="3" name="Content Placeholder 2"/>
+          <p:cNvSpPr>
+            <a:spLocks noGrp="1"/>
+          </p:cNvSpPr>
+          <p:nvPr>
+            <p:ph idx="1"/>
+          </p:nvPr>
+        </p:nvSpPr>
+        <p:spPr/>
+        <p:txBody>
+          <a:bodyPr/>
+          <a:lstStyle/>
+          <a:p>
+            <a:endParaRPr lang="en-US"/>
+          </a:p>
+        </p:txBody>
+      </p:sp>
+    </p:spTree>
+    <p:extLst>
+      <p:ext uri="{BB962C8B-B14F-4D97-AF65-F5344CB8AC3E}">
+        <p14:creationId xmlns:p14="http://schemas.microsoft.com/office/powerpoint/2010/main" val="2512293396"/>
       </p:ext>
     </p:extLst>
   </p:cSld>

--- a/ASS 3 Document/ASS3_BIT302_E1700882_E1700873_PowerPoint.pptx
+++ b/ASS 3 Document/ASS3_BIT302_E1700882_E1700873_PowerPoint.pptx
@@ -8041,8 +8041,8 @@
         </p:nvSpPr>
         <p:spPr>
           <a:xfrm>
-            <a:off x="590550" y="1685925"/>
-            <a:ext cx="11013186" cy="4733925"/>
+            <a:off x="819150" y="1685925"/>
+            <a:ext cx="10784586" cy="4733925"/>
           </a:xfrm>
         </p:spPr>
         <p:txBody>
@@ -8071,7 +8071,6 @@
               <a:rPr lang="en-US" sz="2800" dirty="0" smtClean="0"/>
               <a:t>Login / Logout System</a:t>
             </a:r>
-            <a:endParaRPr lang="en-US" sz="2800" dirty="0" smtClean="0"/>
           </a:p>
           <a:p>
             <a:pPr lvl="0"/>
@@ -8105,19 +8104,7 @@
             <a:pPr lvl="0"/>
             <a:r>
               <a:rPr lang="en-US" sz="2800" dirty="0" smtClean="0"/>
-              <a:t>Add(Allocate), View,</a:t>
-            </a:r>
-            <a:r>
-              <a:rPr lang="en-US" sz="2800" dirty="0" smtClean="0"/>
-              <a:t> </a:t>
-            </a:r>
-            <a:r>
-              <a:rPr lang="en-US" sz="2800" dirty="0" smtClean="0"/>
-              <a:t>and</a:t>
-            </a:r>
-            <a:r>
-              <a:rPr lang="en-US" sz="2800" dirty="0" smtClean="0"/>
-              <a:t> Delete for Allocation Object </a:t>
+              <a:t>Add(Allocate), View, and Delete for Allocation Object </a:t>
             </a:r>
             <a:endParaRPr lang="en-US" sz="2800" dirty="0"/>
           </a:p>
@@ -8250,7 +8237,6 @@
               <a:rPr lang="en-US" sz="2800" dirty="0" smtClean="0"/>
               <a:t>Sign Up</a:t>
             </a:r>
-            <a:endParaRPr lang="en-US" sz="2800" dirty="0" smtClean="0"/>
           </a:p>
           <a:p>
             <a:pPr lvl="0"/>
@@ -8362,7 +8348,7 @@
           <p:nvPr>
             <p:extLst>
               <p:ext uri="{D42A27DB-BD31-4B8C-83A1-F6EECF244321}">
-                <p14:modId xmlns:p14="http://schemas.microsoft.com/office/powerpoint/2010/main" val="2733108731"/>
+                <p14:modId xmlns:p14="http://schemas.microsoft.com/office/powerpoint/2010/main" val="3159172981"/>
               </p:ext>
             </p:extLst>
           </p:nvPr>
@@ -8470,11 +8456,7 @@
                       </a:pPr>
                       <a:r>
                         <a:rPr lang="en-US" sz="2600" dirty="0" smtClean="0"/>
-                        <a:t>Using login </a:t>
-                      </a:r>
-                      <a:r>
-                        <a:rPr lang="en-US" sz="2600" dirty="0" smtClean="0"/>
-                        <a:t>system, session</a:t>
+                        <a:t>Using login system, session</a:t>
                       </a:r>
                       <a:r>
                         <a:rPr lang="en-US" sz="2600" baseline="0" dirty="0" smtClean="0"/>
@@ -8482,17 +8464,8 @@
                       </a:r>
                       <a:r>
                         <a:rPr lang="en-US" sz="2600" dirty="0" smtClean="0"/>
-                        <a:t> </a:t>
+                        <a:t> for authorization to prevent unauthorized access of certain parties.</a:t>
                       </a:r>
-                      <a:r>
-                        <a:rPr lang="en-US" sz="2600" dirty="0" smtClean="0"/>
-                        <a:t>for authorization to prevent unauthorized access of certain parties</a:t>
-                      </a:r>
-                      <a:r>
-                        <a:rPr lang="en-US" sz="2600" dirty="0" smtClean="0"/>
-                        <a:t>.</a:t>
-                      </a:r>
-                      <a:endParaRPr lang="en-US" sz="2600" dirty="0" smtClean="0"/>
                     </a:p>
                   </a:txBody>
                   <a:tcPr/>
@@ -8543,11 +8516,7 @@
                       </a:pPr>
                       <a:r>
                         <a:rPr lang="en-US" sz="2600" dirty="0" smtClean="0"/>
-                        <a:t>The system should be easy to access for Housing Officer and Applicant</a:t>
-                      </a:r>
-                      <a:r>
-                        <a:rPr lang="en-US" sz="2600" dirty="0" smtClean="0"/>
-                        <a:t>.</a:t>
+                        <a:t>The system should be easy to access for Housing Officer and Applicant.</a:t>
                       </a:r>
                       <a:endParaRPr lang="en-US" sz="2600" dirty="0"/>
                     </a:p>
@@ -8600,21 +8569,8 @@
                       </a:pPr>
                       <a:r>
                         <a:rPr lang="en-US" sz="2600" dirty="0" smtClean="0"/>
-                        <a:t>Data inside the system will be keep as it </a:t>
+                        <a:t>Data inside the system will be keep as it is, untampered and unharmed.</a:t>
                       </a:r>
-                      <a:r>
-                        <a:rPr lang="en-US" sz="2600" dirty="0" smtClean="0"/>
-                        <a:t>is, </a:t>
-                      </a:r>
-                      <a:r>
-                        <a:rPr lang="en-US" sz="2600" dirty="0" smtClean="0"/>
-                        <a:t>untampered and unharmed</a:t>
-                      </a:r>
-                      <a:r>
-                        <a:rPr lang="en-US" sz="2600" dirty="0" smtClean="0"/>
-                        <a:t>.</a:t>
-                      </a:r>
-                      <a:endParaRPr lang="en-US" sz="2600" dirty="0" smtClean="0"/>
                     </a:p>
                   </a:txBody>
                   <a:tcPr/>
@@ -8665,17 +8621,20 @@
                       </a:pPr>
                       <a:r>
                         <a:rPr lang="en-US" sz="2600" dirty="0" smtClean="0"/>
-                        <a:t>Data can only be change by authorized user (</a:t>
+                        <a:t>Data can only be change by authorized user </a:t>
                       </a:r>
                       <a:r>
-                        <a:rPr lang="en-US" sz="2600" dirty="0" err="1" smtClean="0"/>
-                        <a:t>HousingOfficer</a:t>
+                        <a:rPr lang="en-US" sz="2600" smtClean="0"/>
+                        <a:t>(</a:t>
+                      </a:r>
+                      <a:r>
+                        <a:rPr lang="en-US" sz="2600" smtClean="0"/>
+                        <a:t>Housing Officer</a:t>
                       </a:r>
                       <a:r>
                         <a:rPr lang="en-US" sz="2600" dirty="0" smtClean="0"/>
                         <a:t>).</a:t>
                       </a:r>
-                      <a:endParaRPr lang="en-US" sz="2600" dirty="0" smtClean="0"/>
                     </a:p>
                   </a:txBody>
                   <a:tcPr/>

--- a/ASS 3 Document/ASS3_BIT302_E1700882_E1700873_PowerPoint.pptx
+++ b/ASS 3 Document/ASS3_BIT302_E1700882_E1700873_PowerPoint.pptx
@@ -14,11 +14,10 @@
     <p:sldId id="262" r:id="rId8"/>
     <p:sldId id="263" r:id="rId9"/>
     <p:sldId id="264" r:id="rId10"/>
-    <p:sldId id="266" r:id="rId11"/>
-    <p:sldId id="270" r:id="rId12"/>
-    <p:sldId id="267" r:id="rId13"/>
-    <p:sldId id="268" r:id="rId14"/>
-    <p:sldId id="269" r:id="rId15"/>
+    <p:sldId id="270" r:id="rId11"/>
+    <p:sldId id="267" r:id="rId12"/>
+    <p:sldId id="268" r:id="rId13"/>
+    <p:sldId id="269" r:id="rId14"/>
   </p:sldIdLst>
   <p:sldSz cx="12192000" cy="6858000"/>
   <p:notesSz cx="6858000" cy="9144000"/>
@@ -7666,90 +7665,6 @@
           <a:bodyPr/>
           <a:lstStyle/>
           <a:p>
-            <a:r>
-              <a:rPr lang="en-US" dirty="0" smtClean="0"/>
-              <a:t>Trello</a:t>
-            </a:r>
-            <a:endParaRPr lang="en-US" dirty="0"/>
-          </a:p>
-        </p:txBody>
-      </p:sp>
-      <p:sp>
-        <p:nvSpPr>
-          <p:cNvPr id="3" name="Content Placeholder 2"/>
-          <p:cNvSpPr>
-            <a:spLocks noGrp="1"/>
-          </p:cNvSpPr>
-          <p:nvPr>
-            <p:ph idx="1"/>
-          </p:nvPr>
-        </p:nvSpPr>
-        <p:spPr/>
-        <p:txBody>
-          <a:bodyPr/>
-          <a:lstStyle/>
-          <a:p>
-            <a:endParaRPr lang="en-US"/>
-          </a:p>
-        </p:txBody>
-      </p:sp>
-    </p:spTree>
-    <p:extLst>
-      <p:ext uri="{BB962C8B-B14F-4D97-AF65-F5344CB8AC3E}">
-        <p14:creationId xmlns:p14="http://schemas.microsoft.com/office/powerpoint/2010/main" val="1554552504"/>
-      </p:ext>
-    </p:extLst>
-  </p:cSld>
-  <p:clrMapOvr>
-    <a:masterClrMapping/>
-  </p:clrMapOvr>
-  <mc:AlternateContent xmlns:mc="http://schemas.openxmlformats.org/markup-compatibility/2006" xmlns:p14="http://schemas.microsoft.com/office/powerpoint/2010/main">
-    <mc:Choice Requires="p14">
-      <p:transition p14:dur="250">
-        <p:fade/>
-      </p:transition>
-    </mc:Choice>
-    <mc:Fallback xmlns="">
-      <p:transition>
-        <p:fade/>
-      </p:transition>
-    </mc:Fallback>
-  </mc:AlternateContent>
-</p:sld>
-</file>
-
-<file path=ppt/slides/slide11.xml><?xml version="1.0" encoding="utf-8"?>
-<p:sld xmlns:a="http://schemas.openxmlformats.org/drawingml/2006/main" xmlns:r="http://schemas.openxmlformats.org/officeDocument/2006/relationships" xmlns:p="http://schemas.openxmlformats.org/presentationml/2006/main">
-  <p:cSld>
-    <p:spTree>
-      <p:nvGrpSpPr>
-        <p:cNvPr id="1" name=""/>
-        <p:cNvGrpSpPr/>
-        <p:nvPr/>
-      </p:nvGrpSpPr>
-      <p:grpSpPr>
-        <a:xfrm>
-          <a:off x="0" y="0"/>
-          <a:ext cx="0" cy="0"/>
-          <a:chOff x="0" y="0"/>
-          <a:chExt cx="0" cy="0"/>
-        </a:xfrm>
-      </p:grpSpPr>
-      <p:sp>
-        <p:nvSpPr>
-          <p:cNvPr id="2" name="Title 1"/>
-          <p:cNvSpPr>
-            <a:spLocks noGrp="1"/>
-          </p:cNvSpPr>
-          <p:nvPr>
-            <p:ph type="title"/>
-          </p:nvPr>
-        </p:nvSpPr>
-        <p:spPr/>
-        <p:txBody>
-          <a:bodyPr/>
-          <a:lstStyle/>
-          <a:p>
             <a:endParaRPr lang="en-US" dirty="0"/>
           </a:p>
         </p:txBody>
@@ -7811,7 +7726,7 @@
 </p:sld>
 </file>
 
-<file path=ppt/slides/slide12.xml><?xml version="1.0" encoding="utf-8"?>
+<file path=ppt/slides/slide11.xml><?xml version="1.0" encoding="utf-8"?>
 <p:sld xmlns:a="http://schemas.openxmlformats.org/drawingml/2006/main" xmlns:r="http://schemas.openxmlformats.org/officeDocument/2006/relationships" xmlns:p="http://schemas.openxmlformats.org/presentationml/2006/main">
   <p:cSld>
     <p:spTree>
@@ -7897,7 +7812,7 @@
 </p:sld>
 </file>
 
-<file path=ppt/slides/slide13.xml><?xml version="1.0" encoding="utf-8"?>
+<file path=ppt/slides/slide12.xml><?xml version="1.0" encoding="utf-8"?>
 <p:sld xmlns:a="http://schemas.openxmlformats.org/drawingml/2006/main" xmlns:r="http://schemas.openxmlformats.org/officeDocument/2006/relationships" xmlns:p="http://schemas.openxmlformats.org/presentationml/2006/main">
   <p:cSld>
     <p:spTree>
@@ -8625,11 +8540,7 @@
                       </a:r>
                       <a:r>
                         <a:rPr lang="en-US" sz="2600" smtClean="0"/>
-                        <a:t>(</a:t>
-                      </a:r>
-                      <a:r>
-                        <a:rPr lang="en-US" sz="2600" smtClean="0"/>
-                        <a:t>Housing Officer</a:t>
+                        <a:t>(Housing Officer</a:t>
                       </a:r>
                       <a:r>
                         <a:rPr lang="en-US" sz="2600" dirty="0" smtClean="0"/>
@@ -8728,6 +8639,36 @@
           </a:p>
         </p:txBody>
       </p:sp>
+      <p:pic>
+        <p:nvPicPr>
+          <p:cNvPr id="3" name="Picture 2"/>
+          <p:cNvPicPr>
+            <a:picLocks noChangeAspect="1"/>
+          </p:cNvPicPr>
+          <p:nvPr/>
+        </p:nvPicPr>
+        <p:blipFill>
+          <a:blip r:embed="rId2">
+            <a:extLst>
+              <a:ext uri="{28A0092B-C50C-407E-A947-70E740481C1C}">
+                <a14:useLocalDpi xmlns:a14="http://schemas.microsoft.com/office/drawing/2010/main" val="0"/>
+              </a:ext>
+            </a:extLst>
+          </a:blip>
+          <a:stretch>
+            <a:fillRect/>
+          </a:stretch>
+        </p:blipFill>
+        <p:spPr>
+          <a:xfrm>
+            <a:off x="0" y="0"/>
+            <a:ext cx="12192000" cy="6858000"/>
+          </a:xfrm>
+          <a:prstGeom prst="rect">
+            <a:avLst/>
+          </a:prstGeom>
+        </p:spPr>
+      </p:pic>
     </p:spTree>
     <p:extLst>
       <p:ext uri="{BB962C8B-B14F-4D97-AF65-F5344CB8AC3E}">
@@ -8807,25 +8748,35 @@
           </a:p>
         </p:txBody>
       </p:sp>
-      <p:sp>
-        <p:nvSpPr>
-          <p:cNvPr id="2" name="Content Placeholder 1"/>
-          <p:cNvSpPr>
-            <a:spLocks noGrp="1"/>
-          </p:cNvSpPr>
+      <p:pic>
+        <p:nvPicPr>
+          <p:cNvPr id="3" name="Content Placeholder 2"/>
+          <p:cNvPicPr>
+            <a:picLocks noGrp="1" noChangeAspect="1"/>
+          </p:cNvPicPr>
           <p:nvPr>
             <p:ph idx="1"/>
           </p:nvPr>
-        </p:nvSpPr>
-        <p:spPr/>
-        <p:txBody>
-          <a:bodyPr/>
-          <a:lstStyle/>
-          <a:p>
-            <a:endParaRPr lang="en-US"/>
-          </a:p>
-        </p:txBody>
-      </p:sp>
+        </p:nvPicPr>
+        <p:blipFill>
+          <a:blip r:embed="rId2" cstate="print">
+            <a:extLst>
+              <a:ext uri="{28A0092B-C50C-407E-A947-70E740481C1C}">
+                <a14:useLocalDpi xmlns:a14="http://schemas.microsoft.com/office/drawing/2010/main" val="0"/>
+              </a:ext>
+            </a:extLst>
+          </a:blip>
+          <a:stretch>
+            <a:fillRect/>
+          </a:stretch>
+        </p:blipFill>
+        <p:spPr>
+          <a:xfrm>
+            <a:off x="1" y="0"/>
+            <a:ext cx="12192000" cy="6858000"/>
+          </a:xfrm>
+        </p:spPr>
+      </p:pic>
     </p:spTree>
     <p:extLst>
       <p:ext uri="{BB962C8B-B14F-4D97-AF65-F5344CB8AC3E}">
@@ -8880,16 +8831,33 @@
         </p:nvSpPr>
         <p:spPr>
           <a:xfrm>
-            <a:off x="3525520" y="561391"/>
-            <a:ext cx="5214112" cy="674065"/>
+            <a:off x="0" y="-10109"/>
+            <a:ext cx="12192000" cy="674065"/>
           </a:xfrm>
         </p:spPr>
+        <p:style>
+          <a:lnRef idx="2">
+            <a:schemeClr val="accent3">
+              <a:shade val="50000"/>
+            </a:schemeClr>
+          </a:lnRef>
+          <a:fillRef idx="1">
+            <a:schemeClr val="accent3"/>
+          </a:fillRef>
+          <a:effectRef idx="0">
+            <a:schemeClr val="accent3"/>
+          </a:effectRef>
+          <a:fontRef idx="minor">
+            <a:schemeClr val="lt1"/>
+          </a:fontRef>
+        </p:style>
         <p:txBody>
           <a:bodyPr>
-            <a:normAutofit fontScale="90000"/>
+            <a:normAutofit/>
           </a:bodyPr>
           <a:lstStyle/>
           <a:p>
+            <a:pPr algn="ctr"/>
             <a:r>
               <a:rPr lang="en-US" sz="4000" dirty="0" smtClean="0"/>
               <a:t>Baseline Gantt Chart</a:t>
@@ -8913,8 +8881,8 @@
         </p:blipFill>
         <p:spPr>
           <a:xfrm>
-            <a:off x="342392" y="1235456"/>
-            <a:ext cx="11529568" cy="5211063"/>
+            <a:off x="-1" y="663956"/>
+            <a:ext cx="12192001" cy="6194044"/>
           </a:xfrm>
           <a:prstGeom prst="rect">
             <a:avLst/>
@@ -8982,10 +8950,24 @@
         </p:nvSpPr>
         <p:spPr>
           <a:xfrm>
-            <a:off x="1103376" y="2901162"/>
-            <a:ext cx="10058400" cy="1371600"/>
+            <a:off x="0" y="1"/>
+            <a:ext cx="12192000" cy="800100"/>
           </a:xfrm>
         </p:spPr>
+        <p:style>
+          <a:lnRef idx="3">
+            <a:schemeClr val="lt1"/>
+          </a:lnRef>
+          <a:fillRef idx="1">
+            <a:schemeClr val="accent6"/>
+          </a:fillRef>
+          <a:effectRef idx="1">
+            <a:schemeClr val="accent6"/>
+          </a:effectRef>
+          <a:fontRef idx="minor">
+            <a:schemeClr val="lt1"/>
+          </a:fontRef>
+        </p:style>
         <p:txBody>
           <a:bodyPr>
             <a:normAutofit/>
@@ -8994,13 +8976,1022 @@
           <a:p>
             <a:pPr algn="ctr"/>
             <a:r>
-              <a:rPr lang="en-US" sz="8000" dirty="0" smtClean="0"/>
+              <a:rPr lang="en-US" dirty="0" smtClean="0"/>
               <a:t>Updated Use Case</a:t>
             </a:r>
-            <a:endParaRPr lang="en-US" sz="8000" dirty="0"/>
-          </a:p>
-        </p:txBody>
-      </p:sp>
+            <a:endParaRPr lang="en-US" dirty="0"/>
+          </a:p>
+        </p:txBody>
+      </p:sp>
+      <p:graphicFrame>
+        <p:nvGraphicFramePr>
+          <p:cNvPr id="3" name="Table 2"/>
+          <p:cNvGraphicFramePr>
+            <a:graphicFrameLocks noGrp="1"/>
+          </p:cNvGraphicFramePr>
+          <p:nvPr>
+            <p:extLst>
+              <p:ext uri="{D42A27DB-BD31-4B8C-83A1-F6EECF244321}">
+                <p14:modId xmlns:p14="http://schemas.microsoft.com/office/powerpoint/2010/main" val="1890514781"/>
+              </p:ext>
+            </p:extLst>
+          </p:nvPr>
+        </p:nvGraphicFramePr>
+        <p:xfrm>
+          <a:off x="2425115" y="800104"/>
+          <a:ext cx="7341769" cy="6057896"/>
+        </p:xfrm>
+        <a:graphic>
+          <a:graphicData uri="http://schemas.openxmlformats.org/drawingml/2006/table">
+            <a:tbl>
+              <a:tblPr firstRow="1" firstCol="1" bandRow="1">
+                <a:tableStyleId>{5C22544A-7EE6-4342-B048-85BDC9FD1C3A}</a:tableStyleId>
+              </a:tblPr>
+              <a:tblGrid>
+                <a:gridCol w="5095875">
+                  <a:extLst>
+                    <a:ext uri="{9D8B030D-6E8A-4147-A177-3AD203B41FA5}">
+                      <a16:colId xmlns:a16="http://schemas.microsoft.com/office/drawing/2014/main" val="3693362108"/>
+                    </a:ext>
+                  </a:extLst>
+                </a:gridCol>
+                <a:gridCol w="2245894">
+                  <a:extLst>
+                    <a:ext uri="{9D8B030D-6E8A-4147-A177-3AD203B41FA5}">
+                      <a16:colId xmlns:a16="http://schemas.microsoft.com/office/drawing/2014/main" val="935206830"/>
+                    </a:ext>
+                  </a:extLst>
+                </a:gridCol>
+              </a:tblGrid>
+              <a:tr h="465992">
+                <a:tc>
+                  <a:txBody>
+                    <a:bodyPr/>
+                    <a:lstStyle/>
+                    <a:p>
+                      <a:pPr algn="ctr">
+                        <a:lnSpc>
+                          <a:spcPct val="150000"/>
+                        </a:lnSpc>
+                        <a:spcAft>
+                          <a:spcPts val="600"/>
+                        </a:spcAft>
+                      </a:pPr>
+                      <a:r>
+                        <a:rPr lang="en-US" sz="2000" dirty="0">
+                          <a:effectLst/>
+                        </a:rPr>
+                        <a:t>Remaining Use Case</a:t>
+                      </a:r>
+                      <a:endParaRPr lang="en-US" sz="1800" dirty="0">
+                        <a:effectLst/>
+                        <a:latin typeface="Calibri" panose="020F0502020204030204" pitchFamily="34" charset="0"/>
+                        <a:ea typeface="Calibri" panose="020F0502020204030204" pitchFamily="34" charset="0"/>
+                        <a:cs typeface="Times New Roman" panose="02020603050405020304" pitchFamily="18" charset="0"/>
+                      </a:endParaRPr>
+                    </a:p>
+                  </a:txBody>
+                  <a:tcPr marL="68580" marR="68580" marT="0" marB="0"/>
+                </a:tc>
+                <a:tc>
+                  <a:txBody>
+                    <a:bodyPr/>
+                    <a:lstStyle/>
+                    <a:p>
+                      <a:pPr algn="ctr">
+                        <a:lnSpc>
+                          <a:spcPct val="150000"/>
+                        </a:lnSpc>
+                        <a:spcAft>
+                          <a:spcPts val="600"/>
+                        </a:spcAft>
+                      </a:pPr>
+                      <a:r>
+                        <a:rPr lang="en-GB" sz="2000" dirty="0">
+                          <a:effectLst/>
+                        </a:rPr>
+                        <a:t>Testing</a:t>
+                      </a:r>
+                      <a:endParaRPr lang="en-US" sz="1800" dirty="0">
+                        <a:effectLst/>
+                        <a:latin typeface="Calibri" panose="020F0502020204030204" pitchFamily="34" charset="0"/>
+                        <a:ea typeface="Calibri" panose="020F0502020204030204" pitchFamily="34" charset="0"/>
+                        <a:cs typeface="Times New Roman" panose="02020603050405020304" pitchFamily="18" charset="0"/>
+                      </a:endParaRPr>
+                    </a:p>
+                  </a:txBody>
+                  <a:tcPr marL="68580" marR="68580" marT="0" marB="0"/>
+                </a:tc>
+                <a:extLst>
+                  <a:ext uri="{0D108BD9-81ED-4DB2-BD59-A6C34878D82A}">
+                    <a16:rowId xmlns:a16="http://schemas.microsoft.com/office/drawing/2014/main" val="2176815140"/>
+                  </a:ext>
+                </a:extLst>
+              </a:tr>
+              <a:tr h="465992">
+                <a:tc>
+                  <a:txBody>
+                    <a:bodyPr/>
+                    <a:lstStyle/>
+                    <a:p>
+                      <a:pPr algn="ctr">
+                        <a:lnSpc>
+                          <a:spcPct val="150000"/>
+                        </a:lnSpc>
+                        <a:spcAft>
+                          <a:spcPts val="600"/>
+                        </a:spcAft>
+                      </a:pPr>
+                      <a:r>
+                        <a:rPr lang="en-US" sz="2000" dirty="0">
+                          <a:effectLst/>
+                        </a:rPr>
+                        <a:t>Change Password (</a:t>
+                      </a:r>
+                      <a:r>
+                        <a:rPr lang="en-US" sz="2000" dirty="0" err="1">
+                          <a:effectLst/>
+                        </a:rPr>
+                        <a:t>HousingOfficer</a:t>
+                      </a:r>
+                      <a:r>
+                        <a:rPr lang="en-US" sz="2000" dirty="0">
+                          <a:effectLst/>
+                        </a:rPr>
+                        <a:t>)</a:t>
+                      </a:r>
+                      <a:endParaRPr lang="en-US" sz="1800" dirty="0">
+                        <a:effectLst/>
+                        <a:latin typeface="Calibri" panose="020F0502020204030204" pitchFamily="34" charset="0"/>
+                        <a:ea typeface="Calibri" panose="020F0502020204030204" pitchFamily="34" charset="0"/>
+                        <a:cs typeface="Times New Roman" panose="02020603050405020304" pitchFamily="18" charset="0"/>
+                      </a:endParaRPr>
+                    </a:p>
+                  </a:txBody>
+                  <a:tcPr marL="68580" marR="68580" marT="0" marB="0"/>
+                </a:tc>
+                <a:tc>
+                  <a:txBody>
+                    <a:bodyPr/>
+                    <a:lstStyle/>
+                    <a:p>
+                      <a:pPr algn="ctr">
+                        <a:lnSpc>
+                          <a:spcPct val="107000"/>
+                        </a:lnSpc>
+                        <a:spcAft>
+                          <a:spcPts val="0"/>
+                        </a:spcAft>
+                      </a:pPr>
+                      <a:r>
+                        <a:rPr lang="en-GB" sz="2000" dirty="0">
+                          <a:effectLst/>
+                        </a:rPr>
+                        <a:t>Iteration 2</a:t>
+                      </a:r>
+                      <a:endParaRPr lang="en-US" sz="1800" dirty="0">
+                        <a:effectLst/>
+                        <a:latin typeface="Calibri" panose="020F0502020204030204" pitchFamily="34" charset="0"/>
+                        <a:ea typeface="Calibri" panose="020F0502020204030204" pitchFamily="34" charset="0"/>
+                        <a:cs typeface="Times New Roman" panose="02020603050405020304" pitchFamily="18" charset="0"/>
+                      </a:endParaRPr>
+                    </a:p>
+                  </a:txBody>
+                  <a:tcPr marL="68580" marR="68580" marT="0" marB="0"/>
+                </a:tc>
+                <a:extLst>
+                  <a:ext uri="{0D108BD9-81ED-4DB2-BD59-A6C34878D82A}">
+                    <a16:rowId xmlns:a16="http://schemas.microsoft.com/office/drawing/2014/main" val="1440114679"/>
+                  </a:ext>
+                </a:extLst>
+              </a:tr>
+              <a:tr h="465992">
+                <a:tc>
+                  <a:txBody>
+                    <a:bodyPr/>
+                    <a:lstStyle/>
+                    <a:p>
+                      <a:pPr algn="ctr">
+                        <a:lnSpc>
+                          <a:spcPct val="150000"/>
+                        </a:lnSpc>
+                        <a:spcAft>
+                          <a:spcPts val="600"/>
+                        </a:spcAft>
+                      </a:pPr>
+                      <a:r>
+                        <a:rPr lang="en-US" sz="2000" dirty="0">
+                          <a:effectLst/>
+                        </a:rPr>
+                        <a:t>Change Password (Applicant)</a:t>
+                      </a:r>
+                      <a:endParaRPr lang="en-US" sz="1800" dirty="0">
+                        <a:effectLst/>
+                        <a:latin typeface="Calibri" panose="020F0502020204030204" pitchFamily="34" charset="0"/>
+                        <a:ea typeface="Calibri" panose="020F0502020204030204" pitchFamily="34" charset="0"/>
+                        <a:cs typeface="Times New Roman" panose="02020603050405020304" pitchFamily="18" charset="0"/>
+                      </a:endParaRPr>
+                    </a:p>
+                  </a:txBody>
+                  <a:tcPr marL="68580" marR="68580" marT="0" marB="0"/>
+                </a:tc>
+                <a:tc>
+                  <a:txBody>
+                    <a:bodyPr/>
+                    <a:lstStyle/>
+                    <a:p>
+                      <a:pPr algn="ctr">
+                        <a:lnSpc>
+                          <a:spcPct val="107000"/>
+                        </a:lnSpc>
+                        <a:spcAft>
+                          <a:spcPts val="0"/>
+                        </a:spcAft>
+                      </a:pPr>
+                      <a:r>
+                        <a:rPr lang="en-GB" sz="2000" dirty="0">
+                          <a:effectLst/>
+                        </a:rPr>
+                        <a:t>Iteration 2</a:t>
+                      </a:r>
+                      <a:endParaRPr lang="en-US" sz="1800" dirty="0">
+                        <a:effectLst/>
+                        <a:latin typeface="Calibri" panose="020F0502020204030204" pitchFamily="34" charset="0"/>
+                        <a:ea typeface="Calibri" panose="020F0502020204030204" pitchFamily="34" charset="0"/>
+                        <a:cs typeface="Times New Roman" panose="02020603050405020304" pitchFamily="18" charset="0"/>
+                      </a:endParaRPr>
+                    </a:p>
+                  </a:txBody>
+                  <a:tcPr marL="68580" marR="68580" marT="0" marB="0"/>
+                </a:tc>
+                <a:extLst>
+                  <a:ext uri="{0D108BD9-81ED-4DB2-BD59-A6C34878D82A}">
+                    <a16:rowId xmlns:a16="http://schemas.microsoft.com/office/drawing/2014/main" val="1706491054"/>
+                  </a:ext>
+                </a:extLst>
+              </a:tr>
+              <a:tr h="465992">
+                <a:tc>
+                  <a:txBody>
+                    <a:bodyPr/>
+                    <a:lstStyle/>
+                    <a:p>
+                      <a:pPr algn="ctr">
+                        <a:lnSpc>
+                          <a:spcPct val="150000"/>
+                        </a:lnSpc>
+                        <a:spcAft>
+                          <a:spcPts val="600"/>
+                        </a:spcAft>
+                      </a:pPr>
+                      <a:r>
+                        <a:rPr lang="en-US" sz="2000" dirty="0">
+                          <a:effectLst/>
+                        </a:rPr>
+                        <a:t>Delete Application (</a:t>
+                      </a:r>
+                      <a:r>
+                        <a:rPr lang="en-US" sz="2000" dirty="0" err="1">
+                          <a:effectLst/>
+                        </a:rPr>
+                        <a:t>HousingOfficer</a:t>
+                      </a:r>
+                      <a:r>
+                        <a:rPr lang="en-US" sz="2000" dirty="0">
+                          <a:effectLst/>
+                        </a:rPr>
+                        <a:t>)</a:t>
+                      </a:r>
+                      <a:endParaRPr lang="en-US" sz="1800" dirty="0">
+                        <a:effectLst/>
+                        <a:latin typeface="Calibri" panose="020F0502020204030204" pitchFamily="34" charset="0"/>
+                        <a:ea typeface="Calibri" panose="020F0502020204030204" pitchFamily="34" charset="0"/>
+                        <a:cs typeface="Times New Roman" panose="02020603050405020304" pitchFamily="18" charset="0"/>
+                      </a:endParaRPr>
+                    </a:p>
+                  </a:txBody>
+                  <a:tcPr marL="68580" marR="68580" marT="0" marB="0"/>
+                </a:tc>
+                <a:tc>
+                  <a:txBody>
+                    <a:bodyPr/>
+                    <a:lstStyle/>
+                    <a:p>
+                      <a:pPr algn="ctr">
+                        <a:lnSpc>
+                          <a:spcPct val="107000"/>
+                        </a:lnSpc>
+                        <a:spcAft>
+                          <a:spcPts val="0"/>
+                        </a:spcAft>
+                      </a:pPr>
+                      <a:r>
+                        <a:rPr lang="en-GB" sz="2000" dirty="0">
+                          <a:effectLst/>
+                        </a:rPr>
+                        <a:t>Iteration 2</a:t>
+                      </a:r>
+                      <a:endParaRPr lang="en-US" sz="1800" dirty="0">
+                        <a:effectLst/>
+                        <a:latin typeface="Calibri" panose="020F0502020204030204" pitchFamily="34" charset="0"/>
+                        <a:ea typeface="Calibri" panose="020F0502020204030204" pitchFamily="34" charset="0"/>
+                        <a:cs typeface="Times New Roman" panose="02020603050405020304" pitchFamily="18" charset="0"/>
+                      </a:endParaRPr>
+                    </a:p>
+                  </a:txBody>
+                  <a:tcPr marL="68580" marR="68580" marT="0" marB="0"/>
+                </a:tc>
+                <a:extLst>
+                  <a:ext uri="{0D108BD9-81ED-4DB2-BD59-A6C34878D82A}">
+                    <a16:rowId xmlns:a16="http://schemas.microsoft.com/office/drawing/2014/main" val="2815717266"/>
+                  </a:ext>
+                </a:extLst>
+              </a:tr>
+              <a:tr h="465992">
+                <a:tc>
+                  <a:txBody>
+                    <a:bodyPr/>
+                    <a:lstStyle/>
+                    <a:p>
+                      <a:pPr algn="ctr">
+                        <a:lnSpc>
+                          <a:spcPct val="150000"/>
+                        </a:lnSpc>
+                        <a:spcAft>
+                          <a:spcPts val="600"/>
+                        </a:spcAft>
+                      </a:pPr>
+                      <a:r>
+                        <a:rPr lang="en-GB" sz="2000" dirty="0">
+                          <a:effectLst/>
+                        </a:rPr>
+                        <a:t>Edit Application (</a:t>
+                      </a:r>
+                      <a:r>
+                        <a:rPr lang="en-GB" sz="2000" dirty="0" err="1">
+                          <a:effectLst/>
+                        </a:rPr>
+                        <a:t>HousingOfficer</a:t>
+                      </a:r>
+                      <a:r>
+                        <a:rPr lang="en-GB" sz="2000" dirty="0">
+                          <a:effectLst/>
+                        </a:rPr>
+                        <a:t>)</a:t>
+                      </a:r>
+                      <a:endParaRPr lang="en-US" sz="1800" dirty="0">
+                        <a:effectLst/>
+                        <a:latin typeface="Calibri" panose="020F0502020204030204" pitchFamily="34" charset="0"/>
+                        <a:ea typeface="Calibri" panose="020F0502020204030204" pitchFamily="34" charset="0"/>
+                        <a:cs typeface="Times New Roman" panose="02020603050405020304" pitchFamily="18" charset="0"/>
+                      </a:endParaRPr>
+                    </a:p>
+                  </a:txBody>
+                  <a:tcPr marL="68580" marR="68580" marT="0" marB="0"/>
+                </a:tc>
+                <a:tc>
+                  <a:txBody>
+                    <a:bodyPr/>
+                    <a:lstStyle/>
+                    <a:p>
+                      <a:pPr algn="ctr">
+                        <a:lnSpc>
+                          <a:spcPct val="107000"/>
+                        </a:lnSpc>
+                        <a:spcAft>
+                          <a:spcPts val="0"/>
+                        </a:spcAft>
+                      </a:pPr>
+                      <a:r>
+                        <a:rPr lang="en-GB" sz="2000" dirty="0">
+                          <a:effectLst/>
+                        </a:rPr>
+                        <a:t>Iteration 2</a:t>
+                      </a:r>
+                      <a:endParaRPr lang="en-US" sz="1800" dirty="0">
+                        <a:effectLst/>
+                        <a:latin typeface="Calibri" panose="020F0502020204030204" pitchFamily="34" charset="0"/>
+                        <a:ea typeface="Calibri" panose="020F0502020204030204" pitchFamily="34" charset="0"/>
+                        <a:cs typeface="Times New Roman" panose="02020603050405020304" pitchFamily="18" charset="0"/>
+                      </a:endParaRPr>
+                    </a:p>
+                  </a:txBody>
+                  <a:tcPr marL="68580" marR="68580" marT="0" marB="0"/>
+                </a:tc>
+                <a:extLst>
+                  <a:ext uri="{0D108BD9-81ED-4DB2-BD59-A6C34878D82A}">
+                    <a16:rowId xmlns:a16="http://schemas.microsoft.com/office/drawing/2014/main" val="3503427685"/>
+                  </a:ext>
+                </a:extLst>
+              </a:tr>
+              <a:tr h="465992">
+                <a:tc>
+                  <a:txBody>
+                    <a:bodyPr/>
+                    <a:lstStyle/>
+                    <a:p>
+                      <a:pPr algn="ctr">
+                        <a:lnSpc>
+                          <a:spcPct val="150000"/>
+                        </a:lnSpc>
+                        <a:spcAft>
+                          <a:spcPts val="600"/>
+                        </a:spcAft>
+                      </a:pPr>
+                      <a:r>
+                        <a:rPr lang="en-US" sz="2000" dirty="0">
+                          <a:effectLst/>
+                        </a:rPr>
+                        <a:t>View Allocation (</a:t>
+                      </a:r>
+                      <a:r>
+                        <a:rPr lang="en-US" sz="2000" dirty="0" err="1">
+                          <a:effectLst/>
+                        </a:rPr>
+                        <a:t>HousingOfficer</a:t>
+                      </a:r>
+                      <a:r>
+                        <a:rPr lang="en-US" sz="2000" dirty="0">
+                          <a:effectLst/>
+                        </a:rPr>
+                        <a:t>)</a:t>
+                      </a:r>
+                      <a:endParaRPr lang="en-US" sz="1800" dirty="0">
+                        <a:effectLst/>
+                        <a:latin typeface="Calibri" panose="020F0502020204030204" pitchFamily="34" charset="0"/>
+                        <a:ea typeface="Calibri" panose="020F0502020204030204" pitchFamily="34" charset="0"/>
+                        <a:cs typeface="Times New Roman" panose="02020603050405020304" pitchFamily="18" charset="0"/>
+                      </a:endParaRPr>
+                    </a:p>
+                  </a:txBody>
+                  <a:tcPr marL="68580" marR="68580" marT="0" marB="0"/>
+                </a:tc>
+                <a:tc>
+                  <a:txBody>
+                    <a:bodyPr/>
+                    <a:lstStyle/>
+                    <a:p>
+                      <a:pPr algn="ctr">
+                        <a:lnSpc>
+                          <a:spcPct val="107000"/>
+                        </a:lnSpc>
+                        <a:spcAft>
+                          <a:spcPts val="0"/>
+                        </a:spcAft>
+                      </a:pPr>
+                      <a:r>
+                        <a:rPr lang="en-GB" sz="2000" dirty="0">
+                          <a:effectLst/>
+                        </a:rPr>
+                        <a:t>Iteration 2</a:t>
+                      </a:r>
+                      <a:endParaRPr lang="en-US" sz="1800" dirty="0">
+                        <a:effectLst/>
+                        <a:latin typeface="Calibri" panose="020F0502020204030204" pitchFamily="34" charset="0"/>
+                        <a:ea typeface="Calibri" panose="020F0502020204030204" pitchFamily="34" charset="0"/>
+                        <a:cs typeface="Times New Roman" panose="02020603050405020304" pitchFamily="18" charset="0"/>
+                      </a:endParaRPr>
+                    </a:p>
+                  </a:txBody>
+                  <a:tcPr marL="68580" marR="68580" marT="0" marB="0"/>
+                </a:tc>
+                <a:extLst>
+                  <a:ext uri="{0D108BD9-81ED-4DB2-BD59-A6C34878D82A}">
+                    <a16:rowId xmlns:a16="http://schemas.microsoft.com/office/drawing/2014/main" val="3166955908"/>
+                  </a:ext>
+                </a:extLst>
+              </a:tr>
+              <a:tr h="465992">
+                <a:tc>
+                  <a:txBody>
+                    <a:bodyPr/>
+                    <a:lstStyle/>
+                    <a:p>
+                      <a:pPr algn="ctr">
+                        <a:lnSpc>
+                          <a:spcPct val="150000"/>
+                        </a:lnSpc>
+                        <a:spcAft>
+                          <a:spcPts val="600"/>
+                        </a:spcAft>
+                      </a:pPr>
+                      <a:r>
+                        <a:rPr lang="en-GB" sz="2000" dirty="0">
+                          <a:effectLst/>
+                        </a:rPr>
+                        <a:t>View Allocation (Applicant)</a:t>
+                      </a:r>
+                      <a:endParaRPr lang="en-US" sz="1800" dirty="0">
+                        <a:effectLst/>
+                        <a:latin typeface="Calibri" panose="020F0502020204030204" pitchFamily="34" charset="0"/>
+                        <a:ea typeface="Calibri" panose="020F0502020204030204" pitchFamily="34" charset="0"/>
+                        <a:cs typeface="Times New Roman" panose="02020603050405020304" pitchFamily="18" charset="0"/>
+                      </a:endParaRPr>
+                    </a:p>
+                  </a:txBody>
+                  <a:tcPr marL="68580" marR="68580" marT="0" marB="0"/>
+                </a:tc>
+                <a:tc>
+                  <a:txBody>
+                    <a:bodyPr/>
+                    <a:lstStyle/>
+                    <a:p>
+                      <a:pPr algn="ctr">
+                        <a:lnSpc>
+                          <a:spcPct val="107000"/>
+                        </a:lnSpc>
+                        <a:spcAft>
+                          <a:spcPts val="0"/>
+                        </a:spcAft>
+                      </a:pPr>
+                      <a:r>
+                        <a:rPr lang="en-GB" sz="2000" dirty="0">
+                          <a:effectLst/>
+                        </a:rPr>
+                        <a:t>Iteration 2</a:t>
+                      </a:r>
+                      <a:endParaRPr lang="en-US" sz="1800" dirty="0">
+                        <a:effectLst/>
+                        <a:latin typeface="Calibri" panose="020F0502020204030204" pitchFamily="34" charset="0"/>
+                        <a:ea typeface="Calibri" panose="020F0502020204030204" pitchFamily="34" charset="0"/>
+                        <a:cs typeface="Times New Roman" panose="02020603050405020304" pitchFamily="18" charset="0"/>
+                      </a:endParaRPr>
+                    </a:p>
+                  </a:txBody>
+                  <a:tcPr marL="68580" marR="68580" marT="0" marB="0"/>
+                </a:tc>
+                <a:extLst>
+                  <a:ext uri="{0D108BD9-81ED-4DB2-BD59-A6C34878D82A}">
+                    <a16:rowId xmlns:a16="http://schemas.microsoft.com/office/drawing/2014/main" val="3912869696"/>
+                  </a:ext>
+                </a:extLst>
+              </a:tr>
+              <a:tr h="465992">
+                <a:tc>
+                  <a:txBody>
+                    <a:bodyPr/>
+                    <a:lstStyle/>
+                    <a:p>
+                      <a:pPr algn="ctr">
+                        <a:lnSpc>
+                          <a:spcPct val="150000"/>
+                        </a:lnSpc>
+                        <a:spcAft>
+                          <a:spcPts val="600"/>
+                        </a:spcAft>
+                      </a:pPr>
+                      <a:r>
+                        <a:rPr lang="en-US" sz="2000" dirty="0">
+                          <a:effectLst/>
+                        </a:rPr>
+                        <a:t>Allocate Housing(</a:t>
+                      </a:r>
+                      <a:r>
+                        <a:rPr lang="en-US" sz="2000" dirty="0" err="1">
+                          <a:effectLst/>
+                        </a:rPr>
+                        <a:t>HousingOfficer</a:t>
+                      </a:r>
+                      <a:r>
+                        <a:rPr lang="en-US" sz="2000" dirty="0">
+                          <a:effectLst/>
+                        </a:rPr>
+                        <a:t>)</a:t>
+                      </a:r>
+                      <a:endParaRPr lang="en-US" sz="1800" dirty="0">
+                        <a:effectLst/>
+                        <a:latin typeface="Calibri" panose="020F0502020204030204" pitchFamily="34" charset="0"/>
+                        <a:ea typeface="Calibri" panose="020F0502020204030204" pitchFamily="34" charset="0"/>
+                        <a:cs typeface="Times New Roman" panose="02020603050405020304" pitchFamily="18" charset="0"/>
+                      </a:endParaRPr>
+                    </a:p>
+                  </a:txBody>
+                  <a:tcPr marL="68580" marR="68580" marT="0" marB="0"/>
+                </a:tc>
+                <a:tc>
+                  <a:txBody>
+                    <a:bodyPr/>
+                    <a:lstStyle/>
+                    <a:p>
+                      <a:pPr algn="ctr">
+                        <a:lnSpc>
+                          <a:spcPct val="107000"/>
+                        </a:lnSpc>
+                        <a:spcAft>
+                          <a:spcPts val="0"/>
+                        </a:spcAft>
+                      </a:pPr>
+                      <a:r>
+                        <a:rPr lang="en-GB" sz="2000" dirty="0">
+                          <a:effectLst/>
+                        </a:rPr>
+                        <a:t>Iteration 2</a:t>
+                      </a:r>
+                      <a:endParaRPr lang="en-US" sz="1800" dirty="0">
+                        <a:effectLst/>
+                        <a:latin typeface="Calibri" panose="020F0502020204030204" pitchFamily="34" charset="0"/>
+                        <a:ea typeface="Calibri" panose="020F0502020204030204" pitchFamily="34" charset="0"/>
+                        <a:cs typeface="Times New Roman" panose="02020603050405020304" pitchFamily="18" charset="0"/>
+                      </a:endParaRPr>
+                    </a:p>
+                  </a:txBody>
+                  <a:tcPr marL="68580" marR="68580" marT="0" marB="0"/>
+                </a:tc>
+                <a:extLst>
+                  <a:ext uri="{0D108BD9-81ED-4DB2-BD59-A6C34878D82A}">
+                    <a16:rowId xmlns:a16="http://schemas.microsoft.com/office/drawing/2014/main" val="637676865"/>
+                  </a:ext>
+                </a:extLst>
+              </a:tr>
+              <a:tr h="465992">
+                <a:tc>
+                  <a:txBody>
+                    <a:bodyPr/>
+                    <a:lstStyle/>
+                    <a:p>
+                      <a:pPr algn="ctr">
+                        <a:lnSpc>
+                          <a:spcPct val="150000"/>
+                        </a:lnSpc>
+                        <a:spcAft>
+                          <a:spcPts val="600"/>
+                        </a:spcAft>
+                      </a:pPr>
+                      <a:r>
+                        <a:rPr lang="en-GB" sz="2000" dirty="0">
+                          <a:effectLst/>
+                        </a:rPr>
+                        <a:t>Delete Allocation(</a:t>
+                      </a:r>
+                      <a:r>
+                        <a:rPr lang="en-GB" sz="2000" dirty="0" err="1">
+                          <a:effectLst/>
+                        </a:rPr>
+                        <a:t>HousingOfficer</a:t>
+                      </a:r>
+                      <a:r>
+                        <a:rPr lang="en-GB" sz="2000" dirty="0">
+                          <a:effectLst/>
+                        </a:rPr>
+                        <a:t>)</a:t>
+                      </a:r>
+                      <a:endParaRPr lang="en-US" sz="1800" dirty="0">
+                        <a:effectLst/>
+                        <a:latin typeface="Calibri" panose="020F0502020204030204" pitchFamily="34" charset="0"/>
+                        <a:ea typeface="Calibri" panose="020F0502020204030204" pitchFamily="34" charset="0"/>
+                        <a:cs typeface="Times New Roman" panose="02020603050405020304" pitchFamily="18" charset="0"/>
+                      </a:endParaRPr>
+                    </a:p>
+                  </a:txBody>
+                  <a:tcPr marL="68580" marR="68580" marT="0" marB="0"/>
+                </a:tc>
+                <a:tc>
+                  <a:txBody>
+                    <a:bodyPr/>
+                    <a:lstStyle/>
+                    <a:p>
+                      <a:pPr algn="ctr">
+                        <a:lnSpc>
+                          <a:spcPct val="107000"/>
+                        </a:lnSpc>
+                        <a:spcAft>
+                          <a:spcPts val="0"/>
+                        </a:spcAft>
+                      </a:pPr>
+                      <a:r>
+                        <a:rPr lang="en-GB" sz="2000" dirty="0">
+                          <a:effectLst/>
+                        </a:rPr>
+                        <a:t>Iteration 2</a:t>
+                      </a:r>
+                      <a:endParaRPr lang="en-US" sz="1800" dirty="0">
+                        <a:effectLst/>
+                        <a:latin typeface="Calibri" panose="020F0502020204030204" pitchFamily="34" charset="0"/>
+                        <a:ea typeface="Calibri" panose="020F0502020204030204" pitchFamily="34" charset="0"/>
+                        <a:cs typeface="Times New Roman" panose="02020603050405020304" pitchFamily="18" charset="0"/>
+                      </a:endParaRPr>
+                    </a:p>
+                  </a:txBody>
+                  <a:tcPr marL="68580" marR="68580" marT="0" marB="0"/>
+                </a:tc>
+                <a:extLst>
+                  <a:ext uri="{0D108BD9-81ED-4DB2-BD59-A6C34878D82A}">
+                    <a16:rowId xmlns:a16="http://schemas.microsoft.com/office/drawing/2014/main" val="2516052430"/>
+                  </a:ext>
+                </a:extLst>
+              </a:tr>
+              <a:tr h="465992">
+                <a:tc>
+                  <a:txBody>
+                    <a:bodyPr/>
+                    <a:lstStyle/>
+                    <a:p>
+                      <a:pPr algn="ctr">
+                        <a:lnSpc>
+                          <a:spcPct val="150000"/>
+                        </a:lnSpc>
+                        <a:spcAft>
+                          <a:spcPts val="600"/>
+                        </a:spcAft>
+                      </a:pPr>
+                      <a:r>
+                        <a:rPr lang="en-GB" sz="2000" dirty="0">
+                          <a:effectLst/>
+                        </a:rPr>
+                        <a:t>View Applicant(</a:t>
+                      </a:r>
+                      <a:r>
+                        <a:rPr lang="en-GB" sz="2000" dirty="0" err="1">
+                          <a:effectLst/>
+                        </a:rPr>
+                        <a:t>HousingOfficer</a:t>
+                      </a:r>
+                      <a:r>
+                        <a:rPr lang="en-GB" sz="2000" dirty="0">
+                          <a:effectLst/>
+                        </a:rPr>
+                        <a:t>)</a:t>
+                      </a:r>
+                      <a:endParaRPr lang="en-US" sz="1800" dirty="0">
+                        <a:effectLst/>
+                        <a:latin typeface="Calibri" panose="020F0502020204030204" pitchFamily="34" charset="0"/>
+                        <a:ea typeface="Calibri" panose="020F0502020204030204" pitchFamily="34" charset="0"/>
+                        <a:cs typeface="Times New Roman" panose="02020603050405020304" pitchFamily="18" charset="0"/>
+                      </a:endParaRPr>
+                    </a:p>
+                  </a:txBody>
+                  <a:tcPr marL="68580" marR="68580" marT="0" marB="0"/>
+                </a:tc>
+                <a:tc>
+                  <a:txBody>
+                    <a:bodyPr/>
+                    <a:lstStyle/>
+                    <a:p>
+                      <a:pPr algn="ctr">
+                        <a:lnSpc>
+                          <a:spcPct val="107000"/>
+                        </a:lnSpc>
+                        <a:spcAft>
+                          <a:spcPts val="0"/>
+                        </a:spcAft>
+                      </a:pPr>
+                      <a:r>
+                        <a:rPr lang="en-GB" sz="2000" dirty="0">
+                          <a:effectLst/>
+                        </a:rPr>
+                        <a:t>Iteration 2</a:t>
+                      </a:r>
+                      <a:endParaRPr lang="en-US" sz="1800" dirty="0">
+                        <a:effectLst/>
+                        <a:latin typeface="Calibri" panose="020F0502020204030204" pitchFamily="34" charset="0"/>
+                        <a:ea typeface="Calibri" panose="020F0502020204030204" pitchFamily="34" charset="0"/>
+                        <a:cs typeface="Times New Roman" panose="02020603050405020304" pitchFamily="18" charset="0"/>
+                      </a:endParaRPr>
+                    </a:p>
+                  </a:txBody>
+                  <a:tcPr marL="68580" marR="68580" marT="0" marB="0"/>
+                </a:tc>
+                <a:extLst>
+                  <a:ext uri="{0D108BD9-81ED-4DB2-BD59-A6C34878D82A}">
+                    <a16:rowId xmlns:a16="http://schemas.microsoft.com/office/drawing/2014/main" val="2711997337"/>
+                  </a:ext>
+                </a:extLst>
+              </a:tr>
+              <a:tr h="465992">
+                <a:tc>
+                  <a:txBody>
+                    <a:bodyPr/>
+                    <a:lstStyle/>
+                    <a:p>
+                      <a:pPr algn="ctr">
+                        <a:lnSpc>
+                          <a:spcPct val="150000"/>
+                        </a:lnSpc>
+                        <a:spcAft>
+                          <a:spcPts val="600"/>
+                        </a:spcAft>
+                      </a:pPr>
+                      <a:r>
+                        <a:rPr lang="en-GB" sz="2000" dirty="0">
+                          <a:effectLst/>
+                        </a:rPr>
+                        <a:t>Edit Applicant(</a:t>
+                      </a:r>
+                      <a:r>
+                        <a:rPr lang="en-GB" sz="2000" dirty="0" err="1">
+                          <a:effectLst/>
+                        </a:rPr>
+                        <a:t>HousingOfficer</a:t>
+                      </a:r>
+                      <a:r>
+                        <a:rPr lang="en-GB" sz="2000" dirty="0">
+                          <a:effectLst/>
+                        </a:rPr>
+                        <a:t>)</a:t>
+                      </a:r>
+                      <a:endParaRPr lang="en-US" sz="1800" dirty="0">
+                        <a:effectLst/>
+                        <a:latin typeface="Calibri" panose="020F0502020204030204" pitchFamily="34" charset="0"/>
+                        <a:ea typeface="Calibri" panose="020F0502020204030204" pitchFamily="34" charset="0"/>
+                        <a:cs typeface="Times New Roman" panose="02020603050405020304" pitchFamily="18" charset="0"/>
+                      </a:endParaRPr>
+                    </a:p>
+                  </a:txBody>
+                  <a:tcPr marL="68580" marR="68580" marT="0" marB="0"/>
+                </a:tc>
+                <a:tc>
+                  <a:txBody>
+                    <a:bodyPr/>
+                    <a:lstStyle/>
+                    <a:p>
+                      <a:pPr algn="ctr">
+                        <a:lnSpc>
+                          <a:spcPct val="107000"/>
+                        </a:lnSpc>
+                        <a:spcAft>
+                          <a:spcPts val="0"/>
+                        </a:spcAft>
+                      </a:pPr>
+                      <a:r>
+                        <a:rPr lang="en-GB" sz="2000" dirty="0">
+                          <a:effectLst/>
+                        </a:rPr>
+                        <a:t>Iteration 2</a:t>
+                      </a:r>
+                      <a:endParaRPr lang="en-US" sz="1800" dirty="0">
+                        <a:effectLst/>
+                        <a:latin typeface="Calibri" panose="020F0502020204030204" pitchFamily="34" charset="0"/>
+                        <a:ea typeface="Calibri" panose="020F0502020204030204" pitchFamily="34" charset="0"/>
+                        <a:cs typeface="Times New Roman" panose="02020603050405020304" pitchFamily="18" charset="0"/>
+                      </a:endParaRPr>
+                    </a:p>
+                  </a:txBody>
+                  <a:tcPr marL="68580" marR="68580" marT="0" marB="0"/>
+                </a:tc>
+                <a:extLst>
+                  <a:ext uri="{0D108BD9-81ED-4DB2-BD59-A6C34878D82A}">
+                    <a16:rowId xmlns:a16="http://schemas.microsoft.com/office/drawing/2014/main" val="939840773"/>
+                  </a:ext>
+                </a:extLst>
+              </a:tr>
+              <a:tr h="465992">
+                <a:tc>
+                  <a:txBody>
+                    <a:bodyPr/>
+                    <a:lstStyle/>
+                    <a:p>
+                      <a:pPr algn="ctr">
+                        <a:lnSpc>
+                          <a:spcPct val="150000"/>
+                        </a:lnSpc>
+                        <a:spcAft>
+                          <a:spcPts val="600"/>
+                        </a:spcAft>
+                      </a:pPr>
+                      <a:r>
+                        <a:rPr lang="en-US" sz="2000" dirty="0">
+                          <a:effectLst/>
+                        </a:rPr>
+                        <a:t>Delete Applicant(</a:t>
+                      </a:r>
+                      <a:r>
+                        <a:rPr lang="en-US" sz="2000" dirty="0" err="1">
+                          <a:effectLst/>
+                        </a:rPr>
+                        <a:t>HousingOfficer</a:t>
+                      </a:r>
+                      <a:r>
+                        <a:rPr lang="en-US" sz="2000" dirty="0">
+                          <a:effectLst/>
+                        </a:rPr>
+                        <a:t>)</a:t>
+                      </a:r>
+                      <a:endParaRPr lang="en-US" sz="1800" dirty="0">
+                        <a:effectLst/>
+                        <a:latin typeface="Calibri" panose="020F0502020204030204" pitchFamily="34" charset="0"/>
+                        <a:ea typeface="Calibri" panose="020F0502020204030204" pitchFamily="34" charset="0"/>
+                        <a:cs typeface="Times New Roman" panose="02020603050405020304" pitchFamily="18" charset="0"/>
+                      </a:endParaRPr>
+                    </a:p>
+                  </a:txBody>
+                  <a:tcPr marL="68580" marR="68580" marT="0" marB="0"/>
+                </a:tc>
+                <a:tc>
+                  <a:txBody>
+                    <a:bodyPr/>
+                    <a:lstStyle/>
+                    <a:p>
+                      <a:pPr algn="ctr">
+                        <a:lnSpc>
+                          <a:spcPct val="107000"/>
+                        </a:lnSpc>
+                        <a:spcAft>
+                          <a:spcPts val="0"/>
+                        </a:spcAft>
+                      </a:pPr>
+                      <a:r>
+                        <a:rPr lang="en-GB" sz="2000" dirty="0">
+                          <a:effectLst/>
+                        </a:rPr>
+                        <a:t>Iteration 2</a:t>
+                      </a:r>
+                      <a:endParaRPr lang="en-US" sz="1800" dirty="0">
+                        <a:effectLst/>
+                        <a:latin typeface="Calibri" panose="020F0502020204030204" pitchFamily="34" charset="0"/>
+                        <a:ea typeface="Calibri" panose="020F0502020204030204" pitchFamily="34" charset="0"/>
+                        <a:cs typeface="Times New Roman" panose="02020603050405020304" pitchFamily="18" charset="0"/>
+                      </a:endParaRPr>
+                    </a:p>
+                  </a:txBody>
+                  <a:tcPr marL="68580" marR="68580" marT="0" marB="0"/>
+                </a:tc>
+                <a:extLst>
+                  <a:ext uri="{0D108BD9-81ED-4DB2-BD59-A6C34878D82A}">
+                    <a16:rowId xmlns:a16="http://schemas.microsoft.com/office/drawing/2014/main" val="1209885019"/>
+                  </a:ext>
+                </a:extLst>
+              </a:tr>
+              <a:tr h="465992">
+                <a:tc>
+                  <a:txBody>
+                    <a:bodyPr/>
+                    <a:lstStyle/>
+                    <a:p>
+                      <a:pPr algn="ctr">
+                        <a:lnSpc>
+                          <a:spcPct val="150000"/>
+                        </a:lnSpc>
+                        <a:spcAft>
+                          <a:spcPts val="600"/>
+                        </a:spcAft>
+                      </a:pPr>
+                      <a:r>
+                        <a:rPr lang="en-GB" sz="2000" dirty="0">
+                          <a:effectLst/>
+                        </a:rPr>
+                        <a:t>View Housing Officer (</a:t>
+                      </a:r>
+                      <a:r>
+                        <a:rPr lang="en-GB" sz="2000" dirty="0" err="1">
+                          <a:effectLst/>
+                        </a:rPr>
+                        <a:t>HousingOfficer</a:t>
+                      </a:r>
+                      <a:r>
+                        <a:rPr lang="en-GB" sz="2000" dirty="0">
+                          <a:effectLst/>
+                        </a:rPr>
+                        <a:t>)</a:t>
+                      </a:r>
+                      <a:endParaRPr lang="en-US" sz="1800" dirty="0">
+                        <a:effectLst/>
+                        <a:latin typeface="Calibri" panose="020F0502020204030204" pitchFamily="34" charset="0"/>
+                        <a:ea typeface="Calibri" panose="020F0502020204030204" pitchFamily="34" charset="0"/>
+                        <a:cs typeface="Times New Roman" panose="02020603050405020304" pitchFamily="18" charset="0"/>
+                      </a:endParaRPr>
+                    </a:p>
+                  </a:txBody>
+                  <a:tcPr marL="68580" marR="68580" marT="0" marB="0"/>
+                </a:tc>
+                <a:tc>
+                  <a:txBody>
+                    <a:bodyPr/>
+                    <a:lstStyle/>
+                    <a:p>
+                      <a:pPr algn="ctr">
+                        <a:lnSpc>
+                          <a:spcPct val="107000"/>
+                        </a:lnSpc>
+                        <a:spcAft>
+                          <a:spcPts val="0"/>
+                        </a:spcAft>
+                      </a:pPr>
+                      <a:r>
+                        <a:rPr lang="en-GB" sz="2000" dirty="0">
+                          <a:effectLst/>
+                        </a:rPr>
+                        <a:t>Iteration 2</a:t>
+                      </a:r>
+                      <a:endParaRPr lang="en-US" sz="1800" dirty="0">
+                        <a:effectLst/>
+                        <a:latin typeface="Calibri" panose="020F0502020204030204" pitchFamily="34" charset="0"/>
+                        <a:ea typeface="Calibri" panose="020F0502020204030204" pitchFamily="34" charset="0"/>
+                        <a:cs typeface="Times New Roman" panose="02020603050405020304" pitchFamily="18" charset="0"/>
+                      </a:endParaRPr>
+                    </a:p>
+                  </a:txBody>
+                  <a:tcPr marL="68580" marR="68580" marT="0" marB="0"/>
+                </a:tc>
+                <a:extLst>
+                  <a:ext uri="{0D108BD9-81ED-4DB2-BD59-A6C34878D82A}">
+                    <a16:rowId xmlns:a16="http://schemas.microsoft.com/office/drawing/2014/main" val="139862632"/>
+                  </a:ext>
+                </a:extLst>
+              </a:tr>
+            </a:tbl>
+          </a:graphicData>
+        </a:graphic>
+      </p:graphicFrame>
     </p:spTree>
     <p:extLst>
       <p:ext uri="{BB962C8B-B14F-4D97-AF65-F5344CB8AC3E}">
@@ -9065,33 +10056,47 @@
           <a:bodyPr/>
           <a:lstStyle/>
           <a:p>
-            <a:endParaRPr lang="en-US"/>
-          </a:p>
-        </p:txBody>
-      </p:sp>
-      <p:sp>
-        <p:nvSpPr>
-          <p:cNvPr id="3" name="Content Placeholder 2"/>
-          <p:cNvSpPr>
-            <a:spLocks noGrp="1"/>
-          </p:cNvSpPr>
+            <a:r>
+              <a:rPr lang="en-US" dirty="0" smtClean="0"/>
+              <a:t>Trello</a:t>
+            </a:r>
+            <a:endParaRPr lang="en-US" dirty="0"/>
+          </a:p>
+        </p:txBody>
+      </p:sp>
+      <p:pic>
+        <p:nvPicPr>
+          <p:cNvPr id="4" name="Content Placeholder 3"/>
+          <p:cNvPicPr>
+            <a:picLocks noGrp="1" noChangeAspect="1"/>
+          </p:cNvPicPr>
           <p:nvPr>
             <p:ph idx="1"/>
           </p:nvPr>
-        </p:nvSpPr>
-        <p:spPr/>
-        <p:txBody>
-          <a:bodyPr/>
-          <a:lstStyle/>
-          <a:p>
-            <a:endParaRPr lang="en-US"/>
-          </a:p>
-        </p:txBody>
-      </p:sp>
+        </p:nvPicPr>
+        <p:blipFill>
+          <a:blip r:embed="rId2">
+            <a:extLst>
+              <a:ext uri="{28A0092B-C50C-407E-A947-70E740481C1C}">
+                <a14:useLocalDpi xmlns:a14="http://schemas.microsoft.com/office/drawing/2010/main" val="0"/>
+              </a:ext>
+            </a:extLst>
+          </a:blip>
+          <a:stretch>
+            <a:fillRect/>
+          </a:stretch>
+        </p:blipFill>
+        <p:spPr>
+          <a:xfrm>
+            <a:off x="1" y="0"/>
+            <a:ext cx="12192000" cy="6858000"/>
+          </a:xfrm>
+        </p:spPr>
+      </p:pic>
     </p:spTree>
     <p:extLst>
       <p:ext uri="{BB962C8B-B14F-4D97-AF65-F5344CB8AC3E}">
-        <p14:creationId xmlns:p14="http://schemas.microsoft.com/office/powerpoint/2010/main" val="2512293396"/>
+        <p14:creationId xmlns:p14="http://schemas.microsoft.com/office/powerpoint/2010/main" val="1554552504"/>
       </p:ext>
     </p:extLst>
   </p:cSld>
@@ -9110,13 +10115,6 @@
       </p:transition>
     </mc:Fallback>
   </mc:AlternateContent>
-  <p:timing>
-    <p:tnLst>
-      <p:par>
-        <p:cTn id="1" dur="indefinite" restart="never" nodeType="tmRoot"/>
-      </p:par>
-    </p:tnLst>
-  </p:timing>
 </p:sld>
 </file>
 

--- a/ASS 3 Document/ASS3_BIT302_E1700882_E1700873_PowerPoint.pptx
+++ b/ASS 3 Document/ASS3_BIT302_E1700882_E1700873_PowerPoint.pptx
@@ -10,8 +10,8 @@
     <p:sldId id="258" r:id="rId4"/>
     <p:sldId id="265" r:id="rId5"/>
     <p:sldId id="260" r:id="rId6"/>
-    <p:sldId id="261" r:id="rId7"/>
-    <p:sldId id="262" r:id="rId8"/>
+    <p:sldId id="272" r:id="rId7"/>
+    <p:sldId id="273" r:id="rId8"/>
     <p:sldId id="263" r:id="rId9"/>
     <p:sldId id="264" r:id="rId10"/>
     <p:sldId id="270" r:id="rId11"/>
@@ -255,7 +255,7 @@
           <a:p>
             <a:fld id="{071C1CFA-A6AE-4BE3-9D75-5EC50F13C283}" type="datetimeFigureOut">
               <a:rPr lang="en-US" smtClean="0"/>
-              <a:t>5/3/2020</a:t>
+              <a:t>5/4/2020</a:t>
             </a:fld>
             <a:endParaRPr lang="en-US"/>
           </a:p>
@@ -425,7 +425,7 @@
           <a:p>
             <a:fld id="{071C1CFA-A6AE-4BE3-9D75-5EC50F13C283}" type="datetimeFigureOut">
               <a:rPr lang="en-US" smtClean="0"/>
-              <a:t>5/3/2020</a:t>
+              <a:t>5/4/2020</a:t>
             </a:fld>
             <a:endParaRPr lang="en-US"/>
           </a:p>
@@ -605,7 +605,7 @@
           <a:p>
             <a:fld id="{071C1CFA-A6AE-4BE3-9D75-5EC50F13C283}" type="datetimeFigureOut">
               <a:rPr lang="en-US" smtClean="0"/>
-              <a:t>5/3/2020</a:t>
+              <a:t>5/4/2020</a:t>
             </a:fld>
             <a:endParaRPr lang="en-US"/>
           </a:p>
@@ -1163,7 +1163,7 @@
           <a:p>
             <a:fld id="{2AED8E5B-0D98-4FE1-9B26-D1041E3A89F9}" type="datetimeFigureOut">
               <a:rPr lang="en-US" dirty="0"/>
-              <a:t>5/3/2020</a:t>
+              <a:t>5/4/2020</a:t>
             </a:fld>
             <a:endParaRPr lang="en-US" dirty="0"/>
           </a:p>
@@ -1372,7 +1372,7 @@
           <a:p>
             <a:fld id="{073C2DCB-466C-4061-8D51-D3254DD77FA1}" type="datetimeFigureOut">
               <a:rPr lang="en-US" dirty="0"/>
-              <a:t>5/3/2020</a:t>
+              <a:t>5/4/2020</a:t>
             </a:fld>
             <a:endParaRPr lang="en-US" dirty="0"/>
           </a:p>
@@ -1997,7 +1997,7 @@
           <a:p>
             <a:fld id="{8642357F-39F6-401C-9FF8-3072724998F3}" type="datetimeFigureOut">
               <a:rPr lang="en-US" dirty="0"/>
-              <a:t>5/3/2020</a:t>
+              <a:t>5/4/2020</a:t>
             </a:fld>
             <a:endParaRPr lang="en-US" dirty="0"/>
           </a:p>
@@ -2324,7 +2324,7 @@
           <a:p>
             <a:fld id="{4D5DB09B-D413-414E-B13F-B1984CD8FF65}" type="datetimeFigureOut">
               <a:rPr lang="en-US" dirty="0"/>
-              <a:t>5/3/2020</a:t>
+              <a:t>5/4/2020</a:t>
             </a:fld>
             <a:endParaRPr lang="en-US" dirty="0"/>
           </a:p>
@@ -2773,7 +2773,7 @@
           <a:p>
             <a:fld id="{6238F992-55E7-4B2D-A6F1-8C9243CBFE1B}" type="datetimeFigureOut">
               <a:rPr lang="en-US" dirty="0"/>
-              <a:t>5/3/2020</a:t>
+              <a:t>5/4/2020</a:t>
             </a:fld>
             <a:endParaRPr lang="en-US" dirty="0"/>
           </a:p>
@@ -2903,7 +2903,7 @@
           <a:p>
             <a:fld id="{F0298110-BAA6-4256-A2E5-BB66A47D2616}" type="datetimeFigureOut">
               <a:rPr lang="en-US" dirty="0"/>
-              <a:t>5/3/2020</a:t>
+              <a:t>5/4/2020</a:t>
             </a:fld>
             <a:endParaRPr lang="en-US" dirty="0"/>
           </a:p>
@@ -3010,7 +3010,7 @@
           <a:p>
             <a:fld id="{A4903892-3343-4E4E-B81B-70A099359AD2}" type="datetimeFigureOut">
               <a:rPr lang="en-US" dirty="0"/>
-              <a:t>5/3/2020</a:t>
+              <a:t>5/4/2020</a:t>
             </a:fld>
             <a:endParaRPr lang="en-US" dirty="0"/>
           </a:p>
@@ -3407,7 +3407,7 @@
           <a:p>
             <a:fld id="{00232F85-D33A-46AF-9088-5A7400C1018E}" type="datetimeFigureOut">
               <a:rPr lang="en-US" dirty="0"/>
-              <a:t>5/3/2020</a:t>
+              <a:t>5/4/2020</a:t>
             </a:fld>
             <a:endParaRPr lang="en-US" dirty="0"/>
           </a:p>
@@ -3598,7 +3598,7 @@
           <a:p>
             <a:fld id="{071C1CFA-A6AE-4BE3-9D75-5EC50F13C283}" type="datetimeFigureOut">
               <a:rPr lang="en-US" smtClean="0"/>
-              <a:t>5/3/2020</a:t>
+              <a:t>5/4/2020</a:t>
             </a:fld>
             <a:endParaRPr lang="en-US"/>
           </a:p>
@@ -3971,7 +3971,7 @@
           <a:p>
             <a:fld id="{3EB3A624-F501-46A9-B8CA-4949E24E27C8}" type="datetimeFigureOut">
               <a:rPr lang="en-US" dirty="0"/>
-              <a:t>5/3/2020</a:t>
+              <a:t>5/4/2020</a:t>
             </a:fld>
             <a:endParaRPr lang="en-US" dirty="0"/>
           </a:p>
@@ -4183,7 +4183,7 @@
           <a:p>
             <a:fld id="{4B4159CD-DA3A-463F-AFEF-A68838A6859B}" type="datetimeFigureOut">
               <a:rPr lang="en-US" dirty="0"/>
-              <a:t>5/3/2020</a:t>
+              <a:t>5/4/2020</a:t>
             </a:fld>
             <a:endParaRPr lang="en-US" dirty="0"/>
           </a:p>
@@ -4375,7 +4375,7 @@
           <a:p>
             <a:fld id="{4312A925-E007-46C2-84AB-35EE10DCAD39}" type="datetimeFigureOut">
               <a:rPr lang="en-US" dirty="0"/>
-              <a:t>5/3/2020</a:t>
+              <a:t>5/4/2020</a:t>
             </a:fld>
             <a:endParaRPr lang="en-US" dirty="0"/>
           </a:p>
@@ -4633,7 +4633,7 @@
           <a:p>
             <a:fld id="{071C1CFA-A6AE-4BE3-9D75-5EC50F13C283}" type="datetimeFigureOut">
               <a:rPr lang="en-US" smtClean="0"/>
-              <a:t>5/3/2020</a:t>
+              <a:t>5/4/2020</a:t>
             </a:fld>
             <a:endParaRPr lang="en-US"/>
           </a:p>
@@ -4865,7 +4865,7 @@
           <a:p>
             <a:fld id="{071C1CFA-A6AE-4BE3-9D75-5EC50F13C283}" type="datetimeFigureOut">
               <a:rPr lang="en-US" smtClean="0"/>
-              <a:t>5/3/2020</a:t>
+              <a:t>5/4/2020</a:t>
             </a:fld>
             <a:endParaRPr lang="en-US"/>
           </a:p>
@@ -5232,7 +5232,7 @@
           <a:p>
             <a:fld id="{071C1CFA-A6AE-4BE3-9D75-5EC50F13C283}" type="datetimeFigureOut">
               <a:rPr lang="en-US" smtClean="0"/>
-              <a:t>5/3/2020</a:t>
+              <a:t>5/4/2020</a:t>
             </a:fld>
             <a:endParaRPr lang="en-US"/>
           </a:p>
@@ -5350,7 +5350,7 @@
           <a:p>
             <a:fld id="{071C1CFA-A6AE-4BE3-9D75-5EC50F13C283}" type="datetimeFigureOut">
               <a:rPr lang="en-US" smtClean="0"/>
-              <a:t>5/3/2020</a:t>
+              <a:t>5/4/2020</a:t>
             </a:fld>
             <a:endParaRPr lang="en-US"/>
           </a:p>
@@ -5445,7 +5445,7 @@
           <a:p>
             <a:fld id="{071C1CFA-A6AE-4BE3-9D75-5EC50F13C283}" type="datetimeFigureOut">
               <a:rPr lang="en-US" smtClean="0"/>
-              <a:t>5/3/2020</a:t>
+              <a:t>5/4/2020</a:t>
             </a:fld>
             <a:endParaRPr lang="en-US"/>
           </a:p>
@@ -5722,7 +5722,7 @@
           <a:p>
             <a:fld id="{071C1CFA-A6AE-4BE3-9D75-5EC50F13C283}" type="datetimeFigureOut">
               <a:rPr lang="en-US" smtClean="0"/>
-              <a:t>5/3/2020</a:t>
+              <a:t>5/4/2020</a:t>
             </a:fld>
             <a:endParaRPr lang="en-US"/>
           </a:p>
@@ -5975,7 +5975,7 @@
           <a:p>
             <a:fld id="{071C1CFA-A6AE-4BE3-9D75-5EC50F13C283}" type="datetimeFigureOut">
               <a:rPr lang="en-US" smtClean="0"/>
-              <a:t>5/3/2020</a:t>
+              <a:t>5/4/2020</a:t>
             </a:fld>
             <a:endParaRPr lang="en-US"/>
           </a:p>
@@ -6188,7 +6188,7 @@
           <a:p>
             <a:fld id="{071C1CFA-A6AE-4BE3-9D75-5EC50F13C283}" type="datetimeFigureOut">
               <a:rPr lang="en-US" smtClean="0"/>
-              <a:t>5/3/2020</a:t>
+              <a:t>5/4/2020</a:t>
             </a:fld>
             <a:endParaRPr lang="en-US"/>
           </a:p>
@@ -6755,7 +6755,7 @@
           <a:p>
             <a:fld id="{40C4D3C1-679D-44D8-8A9C-D402CE4EF569}" type="datetimeFigureOut">
               <a:rPr lang="en-US" dirty="0"/>
-              <a:t>5/3/2020</a:t>
+              <a:t>5/4/2020</a:t>
             </a:fld>
             <a:endParaRPr lang="en-US" dirty="0"/>
           </a:p>
@@ -8619,36 +8619,27 @@
             <p:ph type="title"/>
           </p:nvPr>
         </p:nvSpPr>
-        <p:spPr>
-          <a:xfrm>
-            <a:off x="4123944" y="551231"/>
-            <a:ext cx="3538728" cy="674065"/>
-          </a:xfrm>
-        </p:spPr>
-        <p:txBody>
-          <a:bodyPr>
-            <a:normAutofit/>
-          </a:bodyPr>
+        <p:spPr/>
+        <p:txBody>
+          <a:bodyPr/>
           <a:lstStyle/>
           <a:p>
-            <a:r>
-              <a:rPr lang="en-US" sz="4000" dirty="0" smtClean="0"/>
-              <a:t>Gantt Chart</a:t>
-            </a:r>
-            <a:endParaRPr lang="en-US" sz="4000" dirty="0"/>
+            <a:endParaRPr lang="en-US"/>
           </a:p>
         </p:txBody>
       </p:sp>
       <p:pic>
         <p:nvPicPr>
-          <p:cNvPr id="3" name="Picture 2"/>
+          <p:cNvPr id="4" name="Content Placeholder 3"/>
           <p:cNvPicPr>
-            <a:picLocks noChangeAspect="1"/>
+            <a:picLocks noGrp="1" noChangeAspect="1"/>
           </p:cNvPicPr>
-          <p:nvPr/>
+          <p:nvPr>
+            <p:ph idx="1"/>
+          </p:nvPr>
         </p:nvPicPr>
         <p:blipFill>
-          <a:blip r:embed="rId2">
+          <a:blip r:embed="rId2" cstate="print">
             <a:extLst>
               <a:ext uri="{28A0092B-C50C-407E-A947-70E740481C1C}">
                 <a14:useLocalDpi xmlns:a14="http://schemas.microsoft.com/office/drawing/2010/main" val="0"/>
@@ -8662,17 +8653,14 @@
         <p:spPr>
           <a:xfrm>
             <a:off x="0" y="0"/>
-            <a:ext cx="12192000" cy="6858000"/>
+            <a:ext cx="12182763" cy="6858000"/>
           </a:xfrm>
-          <a:prstGeom prst="rect">
-            <a:avLst/>
-          </a:prstGeom>
         </p:spPr>
       </p:pic>
     </p:spTree>
     <p:extLst>
       <p:ext uri="{BB962C8B-B14F-4D97-AF65-F5344CB8AC3E}">
-        <p14:creationId xmlns:p14="http://schemas.microsoft.com/office/powerpoint/2010/main" val="2002362685"/>
+        <p14:creationId xmlns:p14="http://schemas.microsoft.com/office/powerpoint/2010/main" val="2600373157"/>
       </p:ext>
     </p:extLst>
   </p:cSld>
@@ -8691,13 +8679,6 @@
       </p:transition>
     </mc:Fallback>
   </mc:AlternateContent>
-  <p:timing>
-    <p:tnLst>
-      <p:par>
-        <p:cTn id="1" dur="indefinite" restart="never" nodeType="tmRoot"/>
-      </p:par>
-    </p:tnLst>
-  </p:timing>
 </p:sld>
 </file>
 
@@ -8720,7 +8701,7 @@
       </p:grpSpPr>
       <p:sp>
         <p:nvSpPr>
-          <p:cNvPr id="5" name="Title 1"/>
+          <p:cNvPr id="2" name="Title 1"/>
           <p:cNvSpPr>
             <a:spLocks noGrp="1"/>
           </p:cNvSpPr>
@@ -8728,29 +8709,18 @@
             <p:ph type="title"/>
           </p:nvPr>
         </p:nvSpPr>
-        <p:spPr>
-          <a:xfrm>
-            <a:off x="4123944" y="551231"/>
-            <a:ext cx="3538728" cy="674065"/>
-          </a:xfrm>
-        </p:spPr>
-        <p:txBody>
-          <a:bodyPr>
-            <a:normAutofit/>
-          </a:bodyPr>
+        <p:spPr/>
+        <p:txBody>
+          <a:bodyPr/>
           <a:lstStyle/>
           <a:p>
-            <a:r>
-              <a:rPr lang="en-US" sz="4000" dirty="0" smtClean="0"/>
-              <a:t>Gantt Chart</a:t>
-            </a:r>
-            <a:endParaRPr lang="en-US" sz="4000" dirty="0"/>
+            <a:endParaRPr lang="en-US"/>
           </a:p>
         </p:txBody>
       </p:sp>
       <p:pic>
         <p:nvPicPr>
-          <p:cNvPr id="3" name="Content Placeholder 2"/>
+          <p:cNvPr id="4" name="Content Placeholder 3"/>
           <p:cNvPicPr>
             <a:picLocks noGrp="1" noChangeAspect="1"/>
           </p:cNvPicPr>
@@ -8772,15 +8742,15 @@
         </p:blipFill>
         <p:spPr>
           <a:xfrm>
-            <a:off x="1" y="0"/>
-            <a:ext cx="12192000" cy="6858000"/>
+            <a:off x="0" y="0"/>
+            <a:ext cx="12254770" cy="6858000"/>
           </a:xfrm>
         </p:spPr>
       </p:pic>
     </p:spTree>
     <p:extLst>
       <p:ext uri="{BB962C8B-B14F-4D97-AF65-F5344CB8AC3E}">
-        <p14:creationId xmlns:p14="http://schemas.microsoft.com/office/powerpoint/2010/main" val="3595308366"/>
+        <p14:creationId xmlns:p14="http://schemas.microsoft.com/office/powerpoint/2010/main" val="668439005"/>
       </p:ext>
     </p:extLst>
   </p:cSld>
@@ -8868,21 +8838,28 @@
       </p:sp>
       <p:pic>
         <p:nvPicPr>
-          <p:cNvPr id="6" name="Picture 5"/>
+          <p:cNvPr id="2" name="Picture 1"/>
           <p:cNvPicPr>
             <a:picLocks noChangeAspect="1"/>
           </p:cNvPicPr>
           <p:nvPr/>
         </p:nvPicPr>
-        <p:blipFill rotWithShape="1">
-          <a:blip r:embed="rId2"/>
-          <a:srcRect l="83" t="4148" r="-83" b="5111"/>
-          <a:stretch/>
+        <p:blipFill>
+          <a:blip r:embed="rId2">
+            <a:extLst>
+              <a:ext uri="{28A0092B-C50C-407E-A947-70E740481C1C}">
+                <a14:useLocalDpi xmlns:a14="http://schemas.microsoft.com/office/drawing/2010/main" val="0"/>
+              </a:ext>
+            </a:extLst>
+          </a:blip>
+          <a:stretch>
+            <a:fillRect/>
+          </a:stretch>
         </p:blipFill>
         <p:spPr>
           <a:xfrm>
-            <a:off x="-1" y="663956"/>
-            <a:ext cx="12192001" cy="6194044"/>
+            <a:off x="0" y="663956"/>
+            <a:ext cx="12192000" cy="6381750"/>
           </a:xfrm>
           <a:prstGeom prst="rect">
             <a:avLst/>
@@ -10115,6 +10092,13 @@
       </p:transition>
     </mc:Fallback>
   </mc:AlternateContent>
+  <p:timing>
+    <p:tnLst>
+      <p:par>
+        <p:cTn id="1" dur="indefinite" restart="never" nodeType="tmRoot"/>
+      </p:par>
+    </p:tnLst>
+  </p:timing>
 </p:sld>
 </file>
 
